--- a/TypeScript type system.pptx
+++ b/TypeScript type system.pptx
@@ -12,7 +12,11 @@
     <p:sldId id="276" r:id="rId6"/>
     <p:sldId id="279" r:id="rId7"/>
     <p:sldId id="280" r:id="rId8"/>
-    <p:sldId id="273" r:id="rId9"/>
+    <p:sldId id="281" r:id="rId9"/>
+    <p:sldId id="282" r:id="rId10"/>
+    <p:sldId id="283" r:id="rId11"/>
+    <p:sldId id="284" r:id="rId12"/>
+    <p:sldId id="273" r:id="rId13"/>
   </p:sldIdLst>
   <p:sldSz cx="9144000" cy="6858000" type="screen4x3"/>
   <p:notesSz cx="6858000" cy="9144000"/>
@@ -3203,6 +3207,372 @@
   <p:clrMapOvr>
     <a:masterClrMapping/>
   </p:clrMapOvr>
+</p:sld>
+</file>
+
+<file path=ppt/slides/slide10.xml><?xml version="1.0" encoding="utf-8"?>
+<p:sld xmlns:a="http://schemas.openxmlformats.org/drawingml/2006/main" xmlns:r="http://schemas.openxmlformats.org/officeDocument/2006/relationships" xmlns:p="http://schemas.openxmlformats.org/presentationml/2006/main">
+  <p:cSld>
+    <p:spTree>
+      <p:nvGrpSpPr>
+        <p:cNvPr id="1" name=""/>
+        <p:cNvGrpSpPr/>
+        <p:nvPr/>
+      </p:nvGrpSpPr>
+      <p:grpSpPr>
+        <a:xfrm>
+          <a:off x="0" y="0"/>
+          <a:ext cx="0" cy="0"/>
+          <a:chOff x="0" y="0"/>
+          <a:chExt cx="0" cy="0"/>
+        </a:xfrm>
+      </p:grpSpPr>
+      <p:sp>
+        <p:nvSpPr>
+          <p:cNvPr id="2" name="Title 1"/>
+          <p:cNvSpPr>
+            <a:spLocks noGrp="1"/>
+          </p:cNvSpPr>
+          <p:nvPr>
+            <p:ph type="ctrTitle"/>
+          </p:nvPr>
+        </p:nvSpPr>
+        <p:spPr>
+          <a:xfrm>
+            <a:off x="685800" y="2130425"/>
+            <a:ext cx="7772400" cy="3674839"/>
+          </a:xfrm>
+        </p:spPr>
+        <p:txBody>
+          <a:bodyPr anchor="t" anchorCtr="0">
+            <a:normAutofit/>
+          </a:bodyPr>
+          <a:lstStyle/>
+          <a:p>
+            <a:r>
+              <a:rPr lang="en-NZ" sz="4000" b="1" dirty="0" err="1"/>
+              <a:t>TypeScript</a:t>
+            </a:r>
+            <a:br>
+              <a:rPr lang="en-NZ" sz="4000" b="1" dirty="0"/>
+            </a:br>
+            <a:r>
+              <a:rPr lang="en-NZ" sz="4000" dirty="0"/>
+              <a:t>The language</a:t>
+            </a:r>
+            <a:br>
+              <a:rPr lang="en-NZ" sz="4000" dirty="0"/>
+            </a:br>
+            <a:r>
+              <a:rPr lang="en-NZ" sz="4000" dirty="0"/>
+              <a:t>for the universal runtime</a:t>
+            </a:r>
+            <a:br>
+              <a:rPr lang="en-NZ" sz="4000" dirty="0"/>
+            </a:br>
+            <a:r>
+              <a:rPr lang="en-NZ" sz="4000" dirty="0"/>
+              <a:t>…with benefits</a:t>
+            </a:r>
+          </a:p>
+        </p:txBody>
+      </p:sp>
+    </p:spTree>
+    <p:extLst>
+      <p:ext uri="{BB962C8B-B14F-4D97-AF65-F5344CB8AC3E}">
+        <p14:creationId xmlns:p14="http://schemas.microsoft.com/office/powerpoint/2010/main" val="3715794737"/>
+      </p:ext>
+    </p:extLst>
+  </p:cSld>
+  <p:clrMapOvr>
+    <a:masterClrMapping/>
+  </p:clrMapOvr>
+  <mc:AlternateContent xmlns:mc="http://schemas.openxmlformats.org/markup-compatibility/2006" xmlns:p14="http://schemas.microsoft.com/office/powerpoint/2010/main">
+    <mc:Choice Requires="p14">
+      <p:transition spd="med" p14:dur="700">
+        <p:fade/>
+      </p:transition>
+    </mc:Choice>
+    <mc:Fallback xmlns="">
+      <p:transition spd="med">
+        <p:fade/>
+      </p:transition>
+    </mc:Fallback>
+  </mc:AlternateContent>
+</p:sld>
+</file>
+
+<file path=ppt/slides/slide11.xml><?xml version="1.0" encoding="utf-8"?>
+<p:sld xmlns:a="http://schemas.openxmlformats.org/drawingml/2006/main" xmlns:r="http://schemas.openxmlformats.org/officeDocument/2006/relationships" xmlns:p="http://schemas.openxmlformats.org/presentationml/2006/main">
+  <p:cSld>
+    <p:spTree>
+      <p:nvGrpSpPr>
+        <p:cNvPr id="1" name=""/>
+        <p:cNvGrpSpPr/>
+        <p:nvPr/>
+      </p:nvGrpSpPr>
+      <p:grpSpPr>
+        <a:xfrm>
+          <a:off x="0" y="0"/>
+          <a:ext cx="0" cy="0"/>
+          <a:chOff x="0" y="0"/>
+          <a:chExt cx="0" cy="0"/>
+        </a:xfrm>
+      </p:grpSpPr>
+      <p:sp>
+        <p:nvSpPr>
+          <p:cNvPr id="2" name="Title 1"/>
+          <p:cNvSpPr>
+            <a:spLocks noGrp="1"/>
+          </p:cNvSpPr>
+          <p:nvPr>
+            <p:ph type="ctrTitle"/>
+          </p:nvPr>
+        </p:nvSpPr>
+        <p:spPr>
+          <a:xfrm>
+            <a:off x="685800" y="2130425"/>
+            <a:ext cx="7772400" cy="3674839"/>
+          </a:xfrm>
+        </p:spPr>
+        <p:txBody>
+          <a:bodyPr anchor="t" anchorCtr="0">
+            <a:normAutofit/>
+          </a:bodyPr>
+          <a:lstStyle/>
+          <a:p>
+            <a:r>
+              <a:rPr lang="en-NZ" sz="4000" b="1" dirty="0"/>
+              <a:t>What do we talk about</a:t>
+            </a:r>
+            <a:br>
+              <a:rPr lang="en-NZ" sz="4000" b="1" dirty="0"/>
+            </a:br>
+            <a:r>
+              <a:rPr lang="en-NZ" sz="4000" b="1" dirty="0"/>
+              <a:t>when we talk about types?</a:t>
+            </a:r>
+            <a:endParaRPr lang="en-NZ" sz="4000" dirty="0"/>
+          </a:p>
+        </p:txBody>
+      </p:sp>
+    </p:spTree>
+    <p:extLst>
+      <p:ext uri="{BB962C8B-B14F-4D97-AF65-F5344CB8AC3E}">
+        <p14:creationId xmlns:p14="http://schemas.microsoft.com/office/powerpoint/2010/main" val="2739877052"/>
+      </p:ext>
+    </p:extLst>
+  </p:cSld>
+  <p:clrMapOvr>
+    <a:masterClrMapping/>
+  </p:clrMapOvr>
+  <mc:AlternateContent xmlns:mc="http://schemas.openxmlformats.org/markup-compatibility/2006" xmlns:p14="http://schemas.microsoft.com/office/powerpoint/2010/main">
+    <mc:Choice Requires="p14">
+      <p:transition spd="med" p14:dur="700">
+        <p:fade/>
+      </p:transition>
+    </mc:Choice>
+    <mc:Fallback xmlns="">
+      <p:transition spd="med">
+        <p:fade/>
+      </p:transition>
+    </mc:Fallback>
+  </mc:AlternateContent>
+</p:sld>
+</file>
+
+<file path=ppt/slides/slide12.xml><?xml version="1.0" encoding="utf-8"?>
+<p:sld xmlns:a="http://schemas.openxmlformats.org/drawingml/2006/main" xmlns:r="http://schemas.openxmlformats.org/officeDocument/2006/relationships" xmlns:p="http://schemas.openxmlformats.org/presentationml/2006/main">
+  <p:cSld>
+    <p:spTree>
+      <p:nvGrpSpPr>
+        <p:cNvPr id="1" name=""/>
+        <p:cNvGrpSpPr/>
+        <p:nvPr/>
+      </p:nvGrpSpPr>
+      <p:grpSpPr>
+        <a:xfrm>
+          <a:off x="0" y="0"/>
+          <a:ext cx="0" cy="0"/>
+          <a:chOff x="0" y="0"/>
+          <a:chExt cx="0" cy="0"/>
+        </a:xfrm>
+      </p:grpSpPr>
+      <p:sp>
+        <p:nvSpPr>
+          <p:cNvPr id="2" name="Title 1"/>
+          <p:cNvSpPr>
+            <a:spLocks noGrp="1"/>
+          </p:cNvSpPr>
+          <p:nvPr>
+            <p:ph type="ctrTitle"/>
+          </p:nvPr>
+        </p:nvSpPr>
+        <p:spPr/>
+        <p:txBody>
+          <a:bodyPr>
+            <a:normAutofit/>
+          </a:bodyPr>
+          <a:lstStyle/>
+          <a:p>
+            <a:r>
+              <a:rPr lang="en-NZ" sz="4000" b="1" dirty="0"/>
+              <a:t>Thanks!</a:t>
+            </a:r>
+          </a:p>
+        </p:txBody>
+      </p:sp>
+      <p:sp>
+        <p:nvSpPr>
+          <p:cNvPr id="3" name="Subtitle 2"/>
+          <p:cNvSpPr>
+            <a:spLocks noGrp="1"/>
+          </p:cNvSpPr>
+          <p:nvPr>
+            <p:ph type="subTitle" idx="1"/>
+          </p:nvPr>
+        </p:nvSpPr>
+        <p:spPr/>
+        <p:txBody>
+          <a:bodyPr>
+            <a:normAutofit/>
+          </a:bodyPr>
+          <a:lstStyle/>
+          <a:p>
+            <a:r>
+              <a:rPr lang="en-NZ" sz="2800" b="1" dirty="0"/>
+              <a:t>Ivan </a:t>
+            </a:r>
+            <a:r>
+              <a:rPr lang="en-NZ" sz="2800" b="1" dirty="0" err="1"/>
+              <a:t>Towlson</a:t>
+            </a:r>
+            <a:endParaRPr lang="en-NZ" sz="2800" b="1" dirty="0"/>
+          </a:p>
+          <a:p>
+            <a:r>
+              <a:rPr lang="en-NZ" sz="2800" b="1" dirty="0"/>
+              <a:t>Microsoft</a:t>
+            </a:r>
+          </a:p>
+        </p:txBody>
+      </p:sp>
+      <p:sp>
+        <p:nvSpPr>
+          <p:cNvPr id="4" name="TextBox 3"/>
+          <p:cNvSpPr txBox="1"/>
+          <p:nvPr/>
+        </p:nvSpPr>
+        <p:spPr>
+          <a:xfrm>
+            <a:off x="4067944" y="5746030"/>
+            <a:ext cx="4896544" cy="923330"/>
+          </a:xfrm>
+          <a:prstGeom prst="rect">
+            <a:avLst/>
+          </a:prstGeom>
+          <a:noFill/>
+        </p:spPr>
+        <p:txBody>
+          <a:bodyPr wrap="square" rtlCol="0">
+            <a:spAutoFit/>
+          </a:bodyPr>
+          <a:lstStyle/>
+          <a:p>
+            <a:pPr algn="r"/>
+            <a:r>
+              <a:rPr lang="en-NZ" dirty="0">
+                <a:hlinkClick r:id="rId2"/>
+              </a:rPr>
+              <a:t>https://github.com/itowlson/typed-darkness</a:t>
+            </a:r>
+            <a:endParaRPr lang="en-NZ" dirty="0"/>
+          </a:p>
+          <a:p>
+            <a:pPr algn="r"/>
+            <a:r>
+              <a:rPr lang="en-NZ" dirty="0">
+                <a:hlinkClick r:id="rId3"/>
+              </a:rPr>
+              <a:t>http://twitter.com/ppog_penguin</a:t>
+            </a:r>
+            <a:endParaRPr lang="en-NZ" dirty="0"/>
+          </a:p>
+          <a:p>
+            <a:pPr algn="r"/>
+            <a:r>
+              <a:rPr lang="en-NZ" dirty="0">
+                <a:hlinkClick r:id="rId4"/>
+              </a:rPr>
+              <a:t>http://hestia.typepad.com/flatlander</a:t>
+            </a:r>
+            <a:endParaRPr lang="en-NZ" dirty="0"/>
+          </a:p>
+        </p:txBody>
+      </p:sp>
+      <p:sp>
+        <p:nvSpPr>
+          <p:cNvPr id="5" name="TextBox 4"/>
+          <p:cNvSpPr txBox="1"/>
+          <p:nvPr/>
+        </p:nvSpPr>
+        <p:spPr>
+          <a:xfrm>
+            <a:off x="251520" y="6021288"/>
+            <a:ext cx="4032448" cy="646331"/>
+          </a:xfrm>
+          <a:prstGeom prst="rect">
+            <a:avLst/>
+          </a:prstGeom>
+          <a:noFill/>
+        </p:spPr>
+        <p:txBody>
+          <a:bodyPr wrap="square" rtlCol="0">
+            <a:spAutoFit/>
+          </a:bodyPr>
+          <a:lstStyle/>
+          <a:p>
+            <a:r>
+              <a:rPr lang="en-NZ" dirty="0">
+                <a:hlinkClick r:id="rId5"/>
+              </a:rPr>
+              <a:t>itowlson@microsoft.com</a:t>
+            </a:r>
+            <a:endParaRPr lang="en-NZ" dirty="0"/>
+          </a:p>
+          <a:p>
+            <a:r>
+              <a:rPr lang="en-NZ" dirty="0">
+                <a:hlinkClick r:id="rId6"/>
+              </a:rPr>
+              <a:t>ivan@hestia.cc</a:t>
+            </a:r>
+            <a:endParaRPr lang="en-NZ" dirty="0"/>
+          </a:p>
+        </p:txBody>
+      </p:sp>
+    </p:spTree>
+    <p:extLst>
+      <p:ext uri="{BB962C8B-B14F-4D97-AF65-F5344CB8AC3E}">
+        <p14:creationId xmlns:p14="http://schemas.microsoft.com/office/powerpoint/2010/main" val="2147454668"/>
+      </p:ext>
+    </p:extLst>
+  </p:cSld>
+  <p:clrMapOvr>
+    <a:masterClrMapping/>
+  </p:clrMapOvr>
+  <mc:AlternateContent xmlns:mc="http://schemas.openxmlformats.org/markup-compatibility/2006" xmlns:p14="http://schemas.microsoft.com/office/powerpoint/2010/main">
+    <mc:Choice Requires="p14">
+      <p:transition spd="med" p14:dur="700">
+        <p:fade/>
+      </p:transition>
+    </mc:Choice>
+    <mc:Fallback xmlns="">
+      <p:transition spd="med">
+        <p:fade/>
+      </p:transition>
+    </mc:Fallback>
+  </mc:AlternateContent>
 </p:sld>
 </file>
 
@@ -5904,153 +6274,128 @@
             <p:ph type="ctrTitle"/>
           </p:nvPr>
         </p:nvSpPr>
-        <p:spPr/>
-        <p:txBody>
-          <a:bodyPr>
+        <p:spPr>
+          <a:xfrm>
+            <a:off x="685800" y="2130425"/>
+            <a:ext cx="7772400" cy="2306687"/>
+          </a:xfrm>
+        </p:spPr>
+        <p:txBody>
+          <a:bodyPr anchor="t" anchorCtr="0">
             <a:normAutofit/>
           </a:bodyPr>
           <a:lstStyle/>
           <a:p>
             <a:r>
               <a:rPr lang="en-NZ" sz="4000" b="1" dirty="0"/>
-              <a:t>Thanks!</a:t>
-            </a:r>
-          </a:p>
-        </p:txBody>
-      </p:sp>
-      <p:sp>
-        <p:nvSpPr>
-          <p:cNvPr id="3" name="Subtitle 2"/>
-          <p:cNvSpPr>
-            <a:spLocks noGrp="1"/>
-          </p:cNvSpPr>
-          <p:nvPr>
-            <p:ph type="subTitle" idx="1"/>
-          </p:nvPr>
-        </p:nvSpPr>
-        <p:spPr/>
-        <p:txBody>
-          <a:bodyPr>
+              <a:t>JavaScript</a:t>
+            </a:r>
+            <a:br>
+              <a:rPr lang="en-NZ" sz="4000" b="1" dirty="0"/>
+            </a:br>
+            <a:r>
+              <a:rPr lang="en-NZ" sz="4000" dirty="0"/>
+              <a:t>The language</a:t>
+            </a:r>
+            <a:br>
+              <a:rPr lang="en-NZ" sz="4000" dirty="0"/>
+            </a:br>
+            <a:r>
+              <a:rPr lang="en-NZ" sz="4000" dirty="0"/>
+              <a:t>for the universal runtime</a:t>
+            </a:r>
+          </a:p>
+        </p:txBody>
+      </p:sp>
+    </p:spTree>
+    <p:extLst>
+      <p:ext uri="{BB962C8B-B14F-4D97-AF65-F5344CB8AC3E}">
+        <p14:creationId xmlns:p14="http://schemas.microsoft.com/office/powerpoint/2010/main" val="2263724041"/>
+      </p:ext>
+    </p:extLst>
+  </p:cSld>
+  <p:clrMapOvr>
+    <a:masterClrMapping/>
+  </p:clrMapOvr>
+  <mc:AlternateContent xmlns:mc="http://schemas.openxmlformats.org/markup-compatibility/2006" xmlns:p14="http://schemas.microsoft.com/office/powerpoint/2010/main">
+    <mc:Choice Requires="p14">
+      <p:transition spd="med" p14:dur="700">
+        <p:fade/>
+      </p:transition>
+    </mc:Choice>
+    <mc:Fallback xmlns="">
+      <p:transition spd="med">
+        <p:fade/>
+      </p:transition>
+    </mc:Fallback>
+  </mc:AlternateContent>
+</p:sld>
+</file>
+
+<file path=ppt/slides/slide9.xml><?xml version="1.0" encoding="utf-8"?>
+<p:sld xmlns:a="http://schemas.openxmlformats.org/drawingml/2006/main" xmlns:r="http://schemas.openxmlformats.org/officeDocument/2006/relationships" xmlns:p="http://schemas.openxmlformats.org/presentationml/2006/main">
+  <p:cSld>
+    <p:spTree>
+      <p:nvGrpSpPr>
+        <p:cNvPr id="1" name=""/>
+        <p:cNvGrpSpPr/>
+        <p:nvPr/>
+      </p:nvGrpSpPr>
+      <p:grpSpPr>
+        <a:xfrm>
+          <a:off x="0" y="0"/>
+          <a:ext cx="0" cy="0"/>
+          <a:chOff x="0" y="0"/>
+          <a:chExt cx="0" cy="0"/>
+        </a:xfrm>
+      </p:grpSpPr>
+      <p:sp>
+        <p:nvSpPr>
+          <p:cNvPr id="2" name="Title 1"/>
+          <p:cNvSpPr>
+            <a:spLocks noGrp="1"/>
+          </p:cNvSpPr>
+          <p:nvPr>
+            <p:ph type="ctrTitle"/>
+          </p:nvPr>
+        </p:nvSpPr>
+        <p:spPr>
+          <a:xfrm>
+            <a:off x="685800" y="2130425"/>
+            <a:ext cx="7772400" cy="2306687"/>
+          </a:xfrm>
+        </p:spPr>
+        <p:txBody>
+          <a:bodyPr anchor="t" anchorCtr="0">
             <a:normAutofit/>
           </a:bodyPr>
           <a:lstStyle/>
           <a:p>
             <a:r>
-              <a:rPr lang="en-NZ" sz="2800" b="1" dirty="0"/>
-              <a:t>Ivan </a:t>
-            </a:r>
-            <a:r>
-              <a:rPr lang="en-NZ" sz="2800" b="1" dirty="0" err="1"/>
-              <a:t>Towlson</a:t>
-            </a:r>
-            <a:endParaRPr lang="en-NZ" sz="2800" b="1" dirty="0"/>
-          </a:p>
-          <a:p>
-            <a:r>
-              <a:rPr lang="en-NZ" sz="2800" b="1" dirty="0"/>
-              <a:t>Microsoft</a:t>
-            </a:r>
-          </a:p>
-        </p:txBody>
-      </p:sp>
-      <p:sp>
-        <p:nvSpPr>
-          <p:cNvPr id="4" name="TextBox 3"/>
-          <p:cNvSpPr txBox="1"/>
-          <p:nvPr/>
-        </p:nvSpPr>
-        <p:spPr>
-          <a:xfrm>
-            <a:off x="4067944" y="5746030"/>
-            <a:ext cx="4896544" cy="923330"/>
-          </a:xfrm>
-          <a:prstGeom prst="rect">
-            <a:avLst/>
-          </a:prstGeom>
-          <a:noFill/>
-        </p:spPr>
-        <p:txBody>
-          <a:bodyPr wrap="square" rtlCol="0">
-            <a:spAutoFit/>
-          </a:bodyPr>
-          <a:lstStyle/>
-          <a:p>
-            <a:pPr algn="r"/>
-            <a:r>
-              <a:rPr lang="en-NZ" dirty="0">
-                <a:hlinkClick r:id="rId2"/>
-              </a:rPr>
-              <a:t>https://github.com/itowlson/typed-darkness</a:t>
-            </a:r>
-            <a:endParaRPr lang="en-NZ" dirty="0"/>
-          </a:p>
-          <a:p>
-            <a:pPr algn="r"/>
-            <a:r>
-              <a:rPr lang="en-NZ" dirty="0">
-                <a:hlinkClick r:id="rId3"/>
-              </a:rPr>
-              <a:t>http://twitter.com/ppog_penguin</a:t>
-            </a:r>
-            <a:endParaRPr lang="en-NZ" dirty="0"/>
-          </a:p>
-          <a:p>
-            <a:pPr algn="r"/>
-            <a:r>
-              <a:rPr lang="en-NZ" dirty="0">
-                <a:hlinkClick r:id="rId4"/>
-              </a:rPr>
-              <a:t>http://hestia.typepad.com/flatlander</a:t>
-            </a:r>
-            <a:endParaRPr lang="en-NZ" dirty="0"/>
-          </a:p>
-        </p:txBody>
-      </p:sp>
-      <p:sp>
-        <p:nvSpPr>
-          <p:cNvPr id="5" name="TextBox 4"/>
-          <p:cNvSpPr txBox="1"/>
-          <p:nvPr/>
-        </p:nvSpPr>
-        <p:spPr>
-          <a:xfrm>
-            <a:off x="251520" y="6021288"/>
-            <a:ext cx="4032448" cy="646331"/>
-          </a:xfrm>
-          <a:prstGeom prst="rect">
-            <a:avLst/>
-          </a:prstGeom>
-          <a:noFill/>
-        </p:spPr>
-        <p:txBody>
-          <a:bodyPr wrap="square" rtlCol="0">
-            <a:spAutoFit/>
-          </a:bodyPr>
-          <a:lstStyle/>
-          <a:p>
-            <a:r>
-              <a:rPr lang="en-NZ" dirty="0">
-                <a:hlinkClick r:id="rId5"/>
-              </a:rPr>
-              <a:t>itowlson@microsoft.com</a:t>
-            </a:r>
-            <a:endParaRPr lang="en-NZ" dirty="0"/>
-          </a:p>
-          <a:p>
-            <a:r>
-              <a:rPr lang="en-NZ" dirty="0">
-                <a:hlinkClick r:id="rId6"/>
-              </a:rPr>
-              <a:t>ivan@hestia.cc</a:t>
-            </a:r>
-            <a:endParaRPr lang="en-NZ" dirty="0"/>
+              <a:rPr lang="en-NZ" sz="4000" b="1" dirty="0" err="1"/>
+              <a:t>TypeScript</a:t>
+            </a:r>
+            <a:br>
+              <a:rPr lang="en-NZ" sz="4000" b="1" dirty="0"/>
+            </a:br>
+            <a:r>
+              <a:rPr lang="en-NZ" sz="4000" dirty="0"/>
+              <a:t>The language</a:t>
+            </a:r>
+            <a:br>
+              <a:rPr lang="en-NZ" sz="4000" dirty="0"/>
+            </a:br>
+            <a:r>
+              <a:rPr lang="en-NZ" sz="4000" dirty="0"/>
+              <a:t>for the universal runtime</a:t>
+            </a:r>
           </a:p>
         </p:txBody>
       </p:sp>
     </p:spTree>
     <p:extLst>
       <p:ext uri="{BB962C8B-B14F-4D97-AF65-F5344CB8AC3E}">
-        <p14:creationId xmlns:p14="http://schemas.microsoft.com/office/powerpoint/2010/main" val="2147454668"/>
+        <p14:creationId xmlns:p14="http://schemas.microsoft.com/office/powerpoint/2010/main" val="2173880763"/>
       </p:ext>
     </p:extLst>
   </p:cSld>

--- a/TypeScript type system.pptx
+++ b/TypeScript type system.pptx
@@ -15,8 +15,20 @@
     <p:sldId id="281" r:id="rId9"/>
     <p:sldId id="282" r:id="rId10"/>
     <p:sldId id="283" r:id="rId11"/>
-    <p:sldId id="284" r:id="rId12"/>
-    <p:sldId id="273" r:id="rId13"/>
+    <p:sldId id="295" r:id="rId12"/>
+    <p:sldId id="284" r:id="rId13"/>
+    <p:sldId id="296" r:id="rId14"/>
+    <p:sldId id="285" r:id="rId15"/>
+    <p:sldId id="294" r:id="rId16"/>
+    <p:sldId id="293" r:id="rId17"/>
+    <p:sldId id="287" r:id="rId18"/>
+    <p:sldId id="288" r:id="rId19"/>
+    <p:sldId id="289" r:id="rId20"/>
+    <p:sldId id="290" r:id="rId21"/>
+    <p:sldId id="291" r:id="rId22"/>
+    <p:sldId id="292" r:id="rId23"/>
+    <p:sldId id="286" r:id="rId24"/>
+    <p:sldId id="273" r:id="rId25"/>
   </p:sldIdLst>
   <p:sldSz cx="9144000" cy="6858000" type="screen4x3"/>
   <p:notesSz cx="6858000" cy="9144000"/>
@@ -3319,20 +3331,50 @@
           <a:chExt cx="0" cy="0"/>
         </a:xfrm>
       </p:grpSpPr>
-      <p:sp>
-        <p:nvSpPr>
-          <p:cNvPr id="2" name="Title 1"/>
-          <p:cNvSpPr>
-            <a:spLocks noGrp="1"/>
-          </p:cNvSpPr>
-          <p:nvPr>
-            <p:ph type="ctrTitle"/>
-          </p:nvPr>
-        </p:nvSpPr>
+      <p:pic>
+        <p:nvPicPr>
+          <p:cNvPr id="4" name="Picture 3"/>
+          <p:cNvPicPr>
+            <a:picLocks noChangeAspect="1"/>
+          </p:cNvPicPr>
+          <p:nvPr/>
+        </p:nvPicPr>
+        <p:blipFill>
+          <a:blip r:embed="rId2" cstate="print">
+            <a:extLst>
+              <a:ext uri="{28A0092B-C50C-407E-A947-70E740481C1C}">
+                <a14:useLocalDpi xmlns:a14="http://schemas.microsoft.com/office/drawing/2010/main" val="0"/>
+              </a:ext>
+            </a:extLst>
+          </a:blip>
+          <a:stretch>
+            <a:fillRect/>
+          </a:stretch>
+        </p:blipFill>
         <p:spPr>
           <a:xfrm>
-            <a:off x="685800" y="2130425"/>
-            <a:ext cx="7772400" cy="3674839"/>
+            <a:off x="-1" y="1"/>
+            <a:ext cx="10306373" cy="6858000"/>
+          </a:xfrm>
+          <a:prstGeom prst="rect">
+            <a:avLst/>
+          </a:prstGeom>
+        </p:spPr>
+      </p:pic>
+      <p:sp>
+        <p:nvSpPr>
+          <p:cNvPr id="2" name="Title 1"/>
+          <p:cNvSpPr>
+            <a:spLocks noGrp="1"/>
+          </p:cNvSpPr>
+          <p:nvPr>
+            <p:ph type="ctrTitle"/>
+          </p:nvPr>
+        </p:nvSpPr>
+        <p:spPr>
+          <a:xfrm>
+            <a:off x="323528" y="4437112"/>
+            <a:ext cx="7772400" cy="2090663"/>
           </a:xfrm>
         </p:spPr>
         <p:txBody>
@@ -3341,25 +3383,75 @@
           </a:bodyPr>
           <a:lstStyle/>
           <a:p>
-            <a:r>
-              <a:rPr lang="en-NZ" sz="4000" b="1" dirty="0"/>
-              <a:t>What do we talk about</a:t>
+            <a:pPr algn="l"/>
+            <a:r>
+              <a:rPr lang="en-GB" sz="4000" b="1" dirty="0">
+                <a:solidFill>
+                  <a:schemeClr val="bg1"/>
+                </a:solidFill>
+              </a:rPr>
+              <a:t>Oh, you think darkness is your ally. But you merely adopted the dark;</a:t>
             </a:r>
             <a:br>
-              <a:rPr lang="en-NZ" sz="4000" b="1" dirty="0"/>
+              <a:rPr lang="en-GB" sz="4000" b="1" dirty="0">
+                <a:solidFill>
+                  <a:schemeClr val="bg1"/>
+                </a:solidFill>
+              </a:rPr>
             </a:br>
             <a:r>
-              <a:rPr lang="en-NZ" sz="4000" b="1" dirty="0"/>
-              <a:t>when we talk about types?</a:t>
-            </a:r>
-            <a:endParaRPr lang="en-NZ" sz="4000" dirty="0"/>
+              <a:rPr lang="en-GB" sz="4000" b="1" dirty="0">
+                <a:solidFill>
+                  <a:schemeClr val="bg1"/>
+                </a:solidFill>
+              </a:rPr>
+              <a:t>I was born in it, moulded by it.</a:t>
+            </a:r>
+            <a:endParaRPr lang="en-NZ" sz="4000" dirty="0">
+              <a:solidFill>
+                <a:schemeClr val="bg1"/>
+              </a:solidFill>
+            </a:endParaRPr>
+          </a:p>
+        </p:txBody>
+      </p:sp>
+      <p:sp>
+        <p:nvSpPr>
+          <p:cNvPr id="5" name="TextBox 4"/>
+          <p:cNvSpPr txBox="1"/>
+          <p:nvPr/>
+        </p:nvSpPr>
+        <p:spPr>
+          <a:xfrm>
+            <a:off x="395536" y="6407750"/>
+            <a:ext cx="6984776" cy="261610"/>
+          </a:xfrm>
+          <a:prstGeom prst="rect">
+            <a:avLst/>
+          </a:prstGeom>
+          <a:noFill/>
+        </p:spPr>
+        <p:txBody>
+          <a:bodyPr wrap="square" rtlCol="0">
+            <a:spAutoFit/>
+          </a:bodyPr>
+          <a:lstStyle/>
+          <a:p>
+            <a:r>
+              <a:rPr lang="en-NZ" sz="1100" dirty="0">
+                <a:solidFill>
+                  <a:schemeClr val="bg1"/>
+                </a:solidFill>
+              </a:rPr>
+              <a:t>Image: http://collider.com/tom-hardy-the-dark-knight-rises-interview/</a:t>
+            </a:r>
           </a:p>
         </p:txBody>
       </p:sp>
     </p:spTree>
     <p:extLst>
       <p:ext uri="{BB962C8B-B14F-4D97-AF65-F5344CB8AC3E}">
-        <p14:creationId xmlns:p14="http://schemas.microsoft.com/office/powerpoint/2010/main" val="2739877052"/>
+        <p14:creationId xmlns:p14="http://schemas.microsoft.com/office/powerpoint/2010/main" val="1059940566"/>
       </p:ext>
     </p:extLst>
   </p:cSld>
@@ -3408,153 +3500,547 @@
             <p:ph type="ctrTitle"/>
           </p:nvPr>
         </p:nvSpPr>
-        <p:spPr/>
-        <p:txBody>
-          <a:bodyPr>
+        <p:spPr>
+          <a:xfrm>
+            <a:off x="685800" y="2130425"/>
+            <a:ext cx="7772400" cy="3674839"/>
+          </a:xfrm>
+        </p:spPr>
+        <p:txBody>
+          <a:bodyPr anchor="t" anchorCtr="0">
             <a:normAutofit/>
           </a:bodyPr>
           <a:lstStyle/>
           <a:p>
             <a:r>
               <a:rPr lang="en-NZ" sz="4000" b="1" dirty="0"/>
-              <a:t>Thanks!</a:t>
-            </a:r>
-          </a:p>
-        </p:txBody>
-      </p:sp>
-      <p:sp>
-        <p:nvSpPr>
-          <p:cNvPr id="3" name="Subtitle 2"/>
-          <p:cNvSpPr>
-            <a:spLocks noGrp="1"/>
-          </p:cNvSpPr>
-          <p:nvPr>
-            <p:ph type="subTitle" idx="1"/>
-          </p:nvPr>
-        </p:nvSpPr>
-        <p:spPr/>
-        <p:txBody>
-          <a:bodyPr>
-            <a:normAutofit/>
-          </a:bodyPr>
-          <a:lstStyle/>
-          <a:p>
-            <a:r>
-              <a:rPr lang="en-NZ" sz="2800" b="1" dirty="0"/>
-              <a:t>Ivan </a:t>
-            </a:r>
-            <a:r>
-              <a:rPr lang="en-NZ" sz="2800" b="1" dirty="0" err="1"/>
-              <a:t>Towlson</a:t>
-            </a:r>
-            <a:endParaRPr lang="en-NZ" sz="2800" b="1" dirty="0"/>
-          </a:p>
-          <a:p>
-            <a:r>
-              <a:rPr lang="en-NZ" sz="2800" b="1" dirty="0"/>
-              <a:t>Microsoft</a:t>
-            </a:r>
-          </a:p>
-        </p:txBody>
-      </p:sp>
-      <p:sp>
-        <p:nvSpPr>
-          <p:cNvPr id="4" name="TextBox 3"/>
-          <p:cNvSpPr txBox="1"/>
-          <p:nvPr/>
-        </p:nvSpPr>
-        <p:spPr>
-          <a:xfrm>
-            <a:off x="4067944" y="5746030"/>
-            <a:ext cx="4896544" cy="923330"/>
-          </a:xfrm>
-          <a:prstGeom prst="rect">
-            <a:avLst/>
-          </a:prstGeom>
-          <a:noFill/>
-        </p:spPr>
-        <p:txBody>
-          <a:bodyPr wrap="square" rtlCol="0">
-            <a:spAutoFit/>
-          </a:bodyPr>
-          <a:lstStyle/>
-          <a:p>
-            <a:pPr algn="r"/>
-            <a:r>
-              <a:rPr lang="en-NZ" dirty="0">
-                <a:hlinkClick r:id="rId2"/>
-              </a:rPr>
-              <a:t>https://github.com/itowlson/typed-darkness</a:t>
-            </a:r>
-            <a:endParaRPr lang="en-NZ" dirty="0"/>
-          </a:p>
-          <a:p>
-            <a:pPr algn="r"/>
-            <a:r>
-              <a:rPr lang="en-NZ" dirty="0">
-                <a:hlinkClick r:id="rId3"/>
-              </a:rPr>
-              <a:t>http://twitter.com/ppog_penguin</a:t>
-            </a:r>
-            <a:endParaRPr lang="en-NZ" dirty="0"/>
-          </a:p>
-          <a:p>
-            <a:pPr algn="r"/>
-            <a:r>
-              <a:rPr lang="en-NZ" dirty="0">
-                <a:hlinkClick r:id="rId4"/>
-              </a:rPr>
-              <a:t>http://hestia.typepad.com/flatlander</a:t>
-            </a:r>
-            <a:endParaRPr lang="en-NZ" dirty="0"/>
-          </a:p>
-        </p:txBody>
-      </p:sp>
-      <p:sp>
-        <p:nvSpPr>
-          <p:cNvPr id="5" name="TextBox 4"/>
-          <p:cNvSpPr txBox="1"/>
-          <p:nvPr/>
-        </p:nvSpPr>
-        <p:spPr>
-          <a:xfrm>
-            <a:off x="251520" y="6021288"/>
-            <a:ext cx="4032448" cy="646331"/>
-          </a:xfrm>
-          <a:prstGeom prst="rect">
-            <a:avLst/>
-          </a:prstGeom>
-          <a:noFill/>
-        </p:spPr>
-        <p:txBody>
-          <a:bodyPr wrap="square" rtlCol="0">
-            <a:spAutoFit/>
-          </a:bodyPr>
-          <a:lstStyle/>
-          <a:p>
-            <a:r>
-              <a:rPr lang="en-NZ" dirty="0">
-                <a:hlinkClick r:id="rId5"/>
-              </a:rPr>
-              <a:t>itowlson@microsoft.com</a:t>
-            </a:r>
-            <a:endParaRPr lang="en-NZ" dirty="0"/>
-          </a:p>
-          <a:p>
-            <a:r>
-              <a:rPr lang="en-NZ" dirty="0">
-                <a:hlinkClick r:id="rId6"/>
-              </a:rPr>
-              <a:t>ivan@hestia.cc</a:t>
-            </a:r>
-            <a:endParaRPr lang="en-NZ" dirty="0"/>
+              <a:t>What do we talk about</a:t>
+            </a:r>
+            <a:br>
+              <a:rPr lang="en-NZ" sz="4000" b="1" dirty="0"/>
+            </a:br>
+            <a:r>
+              <a:rPr lang="en-NZ" sz="4000" b="1" dirty="0"/>
+              <a:t>when we talk about types?</a:t>
+            </a:r>
+            <a:endParaRPr lang="en-NZ" sz="4000" dirty="0"/>
           </a:p>
         </p:txBody>
       </p:sp>
     </p:spTree>
     <p:extLst>
       <p:ext uri="{BB962C8B-B14F-4D97-AF65-F5344CB8AC3E}">
-        <p14:creationId xmlns:p14="http://schemas.microsoft.com/office/powerpoint/2010/main" val="2147454668"/>
+        <p14:creationId xmlns:p14="http://schemas.microsoft.com/office/powerpoint/2010/main" val="2739877052"/>
+      </p:ext>
+    </p:extLst>
+  </p:cSld>
+  <p:clrMapOvr>
+    <a:masterClrMapping/>
+  </p:clrMapOvr>
+  <mc:AlternateContent xmlns:mc="http://schemas.openxmlformats.org/markup-compatibility/2006" xmlns:p14="http://schemas.microsoft.com/office/powerpoint/2010/main">
+    <mc:Choice Requires="p14">
+      <p:transition spd="med" p14:dur="700">
+        <p:fade/>
+      </p:transition>
+    </mc:Choice>
+    <mc:Fallback xmlns="">
+      <p:transition spd="med">
+        <p:fade/>
+      </p:transition>
+    </mc:Fallback>
+  </mc:AlternateContent>
+</p:sld>
+</file>
+
+<file path=ppt/slides/slide13.xml><?xml version="1.0" encoding="utf-8"?>
+<p:sld xmlns:a="http://schemas.openxmlformats.org/drawingml/2006/main" xmlns:r="http://schemas.openxmlformats.org/officeDocument/2006/relationships" xmlns:p="http://schemas.openxmlformats.org/presentationml/2006/main">
+  <p:cSld>
+    <p:spTree>
+      <p:nvGrpSpPr>
+        <p:cNvPr id="1" name=""/>
+        <p:cNvGrpSpPr/>
+        <p:nvPr/>
+      </p:nvGrpSpPr>
+      <p:grpSpPr>
+        <a:xfrm>
+          <a:off x="0" y="0"/>
+          <a:ext cx="0" cy="0"/>
+          <a:chOff x="0" y="0"/>
+          <a:chExt cx="0" cy="0"/>
+        </a:xfrm>
+      </p:grpSpPr>
+      <p:sp>
+        <p:nvSpPr>
+          <p:cNvPr id="2" name="Title 1"/>
+          <p:cNvSpPr>
+            <a:spLocks noGrp="1"/>
+          </p:cNvSpPr>
+          <p:nvPr>
+            <p:ph type="ctrTitle"/>
+          </p:nvPr>
+        </p:nvSpPr>
+        <p:spPr>
+          <a:xfrm>
+            <a:off x="685800" y="2130425"/>
+            <a:ext cx="7772400" cy="3674839"/>
+          </a:xfrm>
+        </p:spPr>
+        <p:txBody>
+          <a:bodyPr anchor="t" anchorCtr="0">
+            <a:normAutofit/>
+          </a:bodyPr>
+          <a:lstStyle/>
+          <a:p>
+            <a:r>
+              <a:rPr lang="en-NZ" sz="4000" b="1" dirty="0"/>
+              <a:t>Simple type safety</a:t>
+            </a:r>
+            <a:br>
+              <a:rPr lang="en-NZ" sz="4000" b="1" dirty="0"/>
+            </a:br>
+            <a:r>
+              <a:rPr lang="en-NZ" sz="4000" dirty="0"/>
+              <a:t>And how to defeat it</a:t>
+            </a:r>
+          </a:p>
+        </p:txBody>
+      </p:sp>
+    </p:spTree>
+    <p:extLst>
+      <p:ext uri="{BB962C8B-B14F-4D97-AF65-F5344CB8AC3E}">
+        <p14:creationId xmlns:p14="http://schemas.microsoft.com/office/powerpoint/2010/main" val="503676798"/>
+      </p:ext>
+    </p:extLst>
+  </p:cSld>
+  <p:clrMapOvr>
+    <a:masterClrMapping/>
+  </p:clrMapOvr>
+  <mc:AlternateContent xmlns:mc="http://schemas.openxmlformats.org/markup-compatibility/2006" xmlns:p14="http://schemas.microsoft.com/office/powerpoint/2010/main">
+    <mc:Choice Requires="p14">
+      <p:transition spd="med" p14:dur="700">
+        <p:fade/>
+      </p:transition>
+    </mc:Choice>
+    <mc:Fallback xmlns="">
+      <p:transition spd="med">
+        <p:fade/>
+      </p:transition>
+    </mc:Fallback>
+  </mc:AlternateContent>
+</p:sld>
+</file>
+
+<file path=ppt/slides/slide14.xml><?xml version="1.0" encoding="utf-8"?>
+<p:sld xmlns:a="http://schemas.openxmlformats.org/drawingml/2006/main" xmlns:r="http://schemas.openxmlformats.org/officeDocument/2006/relationships" xmlns:p="http://schemas.openxmlformats.org/presentationml/2006/main">
+  <p:cSld>
+    <p:spTree>
+      <p:nvGrpSpPr>
+        <p:cNvPr id="1" name=""/>
+        <p:cNvGrpSpPr/>
+        <p:nvPr/>
+      </p:nvGrpSpPr>
+      <p:grpSpPr>
+        <a:xfrm>
+          <a:off x="0" y="0"/>
+          <a:ext cx="0" cy="0"/>
+          <a:chOff x="0" y="0"/>
+          <a:chExt cx="0" cy="0"/>
+        </a:xfrm>
+      </p:grpSpPr>
+      <p:sp>
+        <p:nvSpPr>
+          <p:cNvPr id="2" name="Title 1"/>
+          <p:cNvSpPr>
+            <a:spLocks noGrp="1"/>
+          </p:cNvSpPr>
+          <p:nvPr>
+            <p:ph type="ctrTitle"/>
+          </p:nvPr>
+        </p:nvSpPr>
+        <p:spPr>
+          <a:xfrm>
+            <a:off x="685800" y="2130425"/>
+            <a:ext cx="7772400" cy="3674839"/>
+          </a:xfrm>
+        </p:spPr>
+        <p:txBody>
+          <a:bodyPr anchor="t" anchorCtr="0">
+            <a:normAutofit/>
+          </a:bodyPr>
+          <a:lstStyle/>
+          <a:p>
+            <a:r>
+              <a:rPr lang="en-NZ" sz="4000" b="1" dirty="0"/>
+              <a:t>Tuples</a:t>
+            </a:r>
+            <a:endParaRPr lang="en-NZ" sz="4000" dirty="0"/>
+          </a:p>
+        </p:txBody>
+      </p:sp>
+    </p:spTree>
+    <p:extLst>
+      <p:ext uri="{BB962C8B-B14F-4D97-AF65-F5344CB8AC3E}">
+        <p14:creationId xmlns:p14="http://schemas.microsoft.com/office/powerpoint/2010/main" val="2016633543"/>
+      </p:ext>
+    </p:extLst>
+  </p:cSld>
+  <p:clrMapOvr>
+    <a:masterClrMapping/>
+  </p:clrMapOvr>
+  <mc:AlternateContent xmlns:mc="http://schemas.openxmlformats.org/markup-compatibility/2006" xmlns:p14="http://schemas.microsoft.com/office/powerpoint/2010/main">
+    <mc:Choice Requires="p14">
+      <p:transition spd="med" p14:dur="700">
+        <p:fade/>
+      </p:transition>
+    </mc:Choice>
+    <mc:Fallback xmlns="">
+      <p:transition spd="med">
+        <p:fade/>
+      </p:transition>
+    </mc:Fallback>
+  </mc:AlternateContent>
+</p:sld>
+</file>
+
+<file path=ppt/slides/slide15.xml><?xml version="1.0" encoding="utf-8"?>
+<p:sld xmlns:a="http://schemas.openxmlformats.org/drawingml/2006/main" xmlns:r="http://schemas.openxmlformats.org/officeDocument/2006/relationships" xmlns:p="http://schemas.openxmlformats.org/presentationml/2006/main">
+  <p:cSld>
+    <p:spTree>
+      <p:nvGrpSpPr>
+        <p:cNvPr id="1" name=""/>
+        <p:cNvGrpSpPr/>
+        <p:nvPr/>
+      </p:nvGrpSpPr>
+      <p:grpSpPr>
+        <a:xfrm>
+          <a:off x="0" y="0"/>
+          <a:ext cx="0" cy="0"/>
+          <a:chOff x="0" y="0"/>
+          <a:chExt cx="0" cy="0"/>
+        </a:xfrm>
+      </p:grpSpPr>
+      <p:sp>
+        <p:nvSpPr>
+          <p:cNvPr id="2" name="Title 1"/>
+          <p:cNvSpPr>
+            <a:spLocks noGrp="1"/>
+          </p:cNvSpPr>
+          <p:nvPr>
+            <p:ph type="ctrTitle"/>
+          </p:nvPr>
+        </p:nvSpPr>
+        <p:spPr>
+          <a:xfrm>
+            <a:off x="685800" y="2130425"/>
+            <a:ext cx="7772400" cy="3674839"/>
+          </a:xfrm>
+        </p:spPr>
+        <p:txBody>
+          <a:bodyPr anchor="t" anchorCtr="0">
+            <a:normAutofit/>
+          </a:bodyPr>
+          <a:lstStyle/>
+          <a:p>
+            <a:r>
+              <a:rPr lang="en-NZ" sz="4000" b="1" dirty="0"/>
+              <a:t>Object types</a:t>
+            </a:r>
+            <a:endParaRPr lang="en-NZ" sz="4000" dirty="0"/>
+          </a:p>
+        </p:txBody>
+      </p:sp>
+    </p:spTree>
+    <p:extLst>
+      <p:ext uri="{BB962C8B-B14F-4D97-AF65-F5344CB8AC3E}">
+        <p14:creationId xmlns:p14="http://schemas.microsoft.com/office/powerpoint/2010/main" val="1590719870"/>
+      </p:ext>
+    </p:extLst>
+  </p:cSld>
+  <p:clrMapOvr>
+    <a:masterClrMapping/>
+  </p:clrMapOvr>
+  <mc:AlternateContent xmlns:mc="http://schemas.openxmlformats.org/markup-compatibility/2006" xmlns:p14="http://schemas.microsoft.com/office/powerpoint/2010/main">
+    <mc:Choice Requires="p14">
+      <p:transition spd="med" p14:dur="700">
+        <p:fade/>
+      </p:transition>
+    </mc:Choice>
+    <mc:Fallback xmlns="">
+      <p:transition spd="med">
+        <p:fade/>
+      </p:transition>
+    </mc:Fallback>
+  </mc:AlternateContent>
+</p:sld>
+</file>
+
+<file path=ppt/slides/slide16.xml><?xml version="1.0" encoding="utf-8"?>
+<p:sld xmlns:a="http://schemas.openxmlformats.org/drawingml/2006/main" xmlns:r="http://schemas.openxmlformats.org/officeDocument/2006/relationships" xmlns:p="http://schemas.openxmlformats.org/presentationml/2006/main">
+  <p:cSld>
+    <p:spTree>
+      <p:nvGrpSpPr>
+        <p:cNvPr id="1" name=""/>
+        <p:cNvGrpSpPr/>
+        <p:nvPr/>
+      </p:nvGrpSpPr>
+      <p:grpSpPr>
+        <a:xfrm>
+          <a:off x="0" y="0"/>
+          <a:ext cx="0" cy="0"/>
+          <a:chOff x="0" y="0"/>
+          <a:chExt cx="0" cy="0"/>
+        </a:xfrm>
+      </p:grpSpPr>
+      <p:sp>
+        <p:nvSpPr>
+          <p:cNvPr id="2" name="Title 1"/>
+          <p:cNvSpPr>
+            <a:spLocks noGrp="1"/>
+          </p:cNvSpPr>
+          <p:nvPr>
+            <p:ph type="ctrTitle"/>
+          </p:nvPr>
+        </p:nvSpPr>
+        <p:spPr>
+          <a:xfrm>
+            <a:off x="685800" y="2130425"/>
+            <a:ext cx="7772400" cy="3674839"/>
+          </a:xfrm>
+        </p:spPr>
+        <p:txBody>
+          <a:bodyPr anchor="t" anchorCtr="0">
+            <a:normAutofit/>
+          </a:bodyPr>
+          <a:lstStyle/>
+          <a:p>
+            <a:r>
+              <a:rPr lang="en-NZ" sz="4000" b="1" dirty="0"/>
+              <a:t>Interface types</a:t>
+            </a:r>
+            <a:endParaRPr lang="en-NZ" sz="4000" dirty="0"/>
+          </a:p>
+        </p:txBody>
+      </p:sp>
+    </p:spTree>
+    <p:extLst>
+      <p:ext uri="{BB962C8B-B14F-4D97-AF65-F5344CB8AC3E}">
+        <p14:creationId xmlns:p14="http://schemas.microsoft.com/office/powerpoint/2010/main" val="1240027813"/>
+      </p:ext>
+    </p:extLst>
+  </p:cSld>
+  <p:clrMapOvr>
+    <a:masterClrMapping/>
+  </p:clrMapOvr>
+  <mc:AlternateContent xmlns:mc="http://schemas.openxmlformats.org/markup-compatibility/2006" xmlns:p14="http://schemas.microsoft.com/office/powerpoint/2010/main">
+    <mc:Choice Requires="p14">
+      <p:transition spd="med" p14:dur="700">
+        <p:fade/>
+      </p:transition>
+    </mc:Choice>
+    <mc:Fallback xmlns="">
+      <p:transition spd="med">
+        <p:fade/>
+      </p:transition>
+    </mc:Fallback>
+  </mc:AlternateContent>
+</p:sld>
+</file>
+
+<file path=ppt/slides/slide17.xml><?xml version="1.0" encoding="utf-8"?>
+<p:sld xmlns:a="http://schemas.openxmlformats.org/drawingml/2006/main" xmlns:r="http://schemas.openxmlformats.org/officeDocument/2006/relationships" xmlns:p="http://schemas.openxmlformats.org/presentationml/2006/main">
+  <p:cSld>
+    <p:spTree>
+      <p:nvGrpSpPr>
+        <p:cNvPr id="1" name=""/>
+        <p:cNvGrpSpPr/>
+        <p:nvPr/>
+      </p:nvGrpSpPr>
+      <p:grpSpPr>
+        <a:xfrm>
+          <a:off x="0" y="0"/>
+          <a:ext cx="0" cy="0"/>
+          <a:chOff x="0" y="0"/>
+          <a:chExt cx="0" cy="0"/>
+        </a:xfrm>
+      </p:grpSpPr>
+      <p:sp>
+        <p:nvSpPr>
+          <p:cNvPr id="2" name="Title 1"/>
+          <p:cNvSpPr>
+            <a:spLocks noGrp="1"/>
+          </p:cNvSpPr>
+          <p:nvPr>
+            <p:ph type="ctrTitle"/>
+          </p:nvPr>
+        </p:nvSpPr>
+        <p:spPr>
+          <a:xfrm>
+            <a:off x="685800" y="2130425"/>
+            <a:ext cx="7772400" cy="3674839"/>
+          </a:xfrm>
+        </p:spPr>
+        <p:txBody>
+          <a:bodyPr anchor="t" anchorCtr="0">
+            <a:normAutofit/>
+          </a:bodyPr>
+          <a:lstStyle/>
+          <a:p>
+            <a:r>
+              <a:rPr lang="en-NZ" sz="4000" b="1" dirty="0"/>
+              <a:t>Class types</a:t>
+            </a:r>
+            <a:endParaRPr lang="en-NZ" sz="4000" dirty="0"/>
+          </a:p>
+        </p:txBody>
+      </p:sp>
+    </p:spTree>
+    <p:extLst>
+      <p:ext uri="{BB962C8B-B14F-4D97-AF65-F5344CB8AC3E}">
+        <p14:creationId xmlns:p14="http://schemas.microsoft.com/office/powerpoint/2010/main" val="3656032272"/>
+      </p:ext>
+    </p:extLst>
+  </p:cSld>
+  <p:clrMapOvr>
+    <a:masterClrMapping/>
+  </p:clrMapOvr>
+  <mc:AlternateContent xmlns:mc="http://schemas.openxmlformats.org/markup-compatibility/2006" xmlns:p14="http://schemas.microsoft.com/office/powerpoint/2010/main">
+    <mc:Choice Requires="p14">
+      <p:transition spd="med" p14:dur="700">
+        <p:fade/>
+      </p:transition>
+    </mc:Choice>
+    <mc:Fallback xmlns="">
+      <p:transition spd="med">
+        <p:fade/>
+      </p:transition>
+    </mc:Fallback>
+  </mc:AlternateContent>
+</p:sld>
+</file>
+
+<file path=ppt/slides/slide18.xml><?xml version="1.0" encoding="utf-8"?>
+<p:sld xmlns:a="http://schemas.openxmlformats.org/drawingml/2006/main" xmlns:r="http://schemas.openxmlformats.org/officeDocument/2006/relationships" xmlns:p="http://schemas.openxmlformats.org/presentationml/2006/main">
+  <p:cSld>
+    <p:spTree>
+      <p:nvGrpSpPr>
+        <p:cNvPr id="1" name=""/>
+        <p:cNvGrpSpPr/>
+        <p:nvPr/>
+      </p:nvGrpSpPr>
+      <p:grpSpPr>
+        <a:xfrm>
+          <a:off x="0" y="0"/>
+          <a:ext cx="0" cy="0"/>
+          <a:chOff x="0" y="0"/>
+          <a:chExt cx="0" cy="0"/>
+        </a:xfrm>
+      </p:grpSpPr>
+      <p:sp>
+        <p:nvSpPr>
+          <p:cNvPr id="2" name="Title 1"/>
+          <p:cNvSpPr>
+            <a:spLocks noGrp="1"/>
+          </p:cNvSpPr>
+          <p:nvPr>
+            <p:ph type="ctrTitle"/>
+          </p:nvPr>
+        </p:nvSpPr>
+        <p:spPr>
+          <a:xfrm>
+            <a:off x="685800" y="2130425"/>
+            <a:ext cx="7772400" cy="3674839"/>
+          </a:xfrm>
+        </p:spPr>
+        <p:txBody>
+          <a:bodyPr anchor="t" anchorCtr="0">
+            <a:normAutofit/>
+          </a:bodyPr>
+          <a:lstStyle/>
+          <a:p>
+            <a:r>
+              <a:rPr lang="en-NZ" sz="4000" b="1" dirty="0"/>
+              <a:t>Function types</a:t>
+            </a:r>
+            <a:endParaRPr lang="en-NZ" sz="4000" dirty="0"/>
+          </a:p>
+        </p:txBody>
+      </p:sp>
+    </p:spTree>
+    <p:extLst>
+      <p:ext uri="{BB962C8B-B14F-4D97-AF65-F5344CB8AC3E}">
+        <p14:creationId xmlns:p14="http://schemas.microsoft.com/office/powerpoint/2010/main" val="655537971"/>
+      </p:ext>
+    </p:extLst>
+  </p:cSld>
+  <p:clrMapOvr>
+    <a:masterClrMapping/>
+  </p:clrMapOvr>
+  <mc:AlternateContent xmlns:mc="http://schemas.openxmlformats.org/markup-compatibility/2006" xmlns:p14="http://schemas.microsoft.com/office/powerpoint/2010/main">
+    <mc:Choice Requires="p14">
+      <p:transition spd="med" p14:dur="700">
+        <p:fade/>
+      </p:transition>
+    </mc:Choice>
+    <mc:Fallback xmlns="">
+      <p:transition spd="med">
+        <p:fade/>
+      </p:transition>
+    </mc:Fallback>
+  </mc:AlternateContent>
+</p:sld>
+</file>
+
+<file path=ppt/slides/slide19.xml><?xml version="1.0" encoding="utf-8"?>
+<p:sld xmlns:a="http://schemas.openxmlformats.org/drawingml/2006/main" xmlns:r="http://schemas.openxmlformats.org/officeDocument/2006/relationships" xmlns:p="http://schemas.openxmlformats.org/presentationml/2006/main">
+  <p:cSld>
+    <p:spTree>
+      <p:nvGrpSpPr>
+        <p:cNvPr id="1" name=""/>
+        <p:cNvGrpSpPr/>
+        <p:nvPr/>
+      </p:nvGrpSpPr>
+      <p:grpSpPr>
+        <a:xfrm>
+          <a:off x="0" y="0"/>
+          <a:ext cx="0" cy="0"/>
+          <a:chOff x="0" y="0"/>
+          <a:chExt cx="0" cy="0"/>
+        </a:xfrm>
+      </p:grpSpPr>
+      <p:sp>
+        <p:nvSpPr>
+          <p:cNvPr id="2" name="Title 1"/>
+          <p:cNvSpPr>
+            <a:spLocks noGrp="1"/>
+          </p:cNvSpPr>
+          <p:nvPr>
+            <p:ph type="ctrTitle"/>
+          </p:nvPr>
+        </p:nvSpPr>
+        <p:spPr>
+          <a:xfrm>
+            <a:off x="685800" y="2130425"/>
+            <a:ext cx="7772400" cy="3674839"/>
+          </a:xfrm>
+        </p:spPr>
+        <p:txBody>
+          <a:bodyPr anchor="t" anchorCtr="0">
+            <a:normAutofit/>
+          </a:bodyPr>
+          <a:lstStyle/>
+          <a:p>
+            <a:r>
+              <a:rPr lang="en-NZ" sz="4000" b="1" dirty="0"/>
+              <a:t>Intersection and union types</a:t>
+            </a:r>
+            <a:endParaRPr lang="en-NZ" sz="4000" dirty="0"/>
+          </a:p>
+        </p:txBody>
+      </p:sp>
+    </p:spTree>
+    <p:extLst>
+      <p:ext uri="{BB962C8B-B14F-4D97-AF65-F5344CB8AC3E}">
+        <p14:creationId xmlns:p14="http://schemas.microsoft.com/office/powerpoint/2010/main" val="2834188003"/>
       </p:ext>
     </p:extLst>
   </p:cSld>
@@ -3628,6 +4114,1342 @@
     <p:extLst>
       <p:ext uri="{BB962C8B-B14F-4D97-AF65-F5344CB8AC3E}">
         <p14:creationId xmlns:p14="http://schemas.microsoft.com/office/powerpoint/2010/main" val="2175358712"/>
+      </p:ext>
+    </p:extLst>
+  </p:cSld>
+  <p:clrMapOvr>
+    <a:masterClrMapping/>
+  </p:clrMapOvr>
+  <mc:AlternateContent xmlns:mc="http://schemas.openxmlformats.org/markup-compatibility/2006" xmlns:p14="http://schemas.microsoft.com/office/powerpoint/2010/main">
+    <mc:Choice Requires="p14">
+      <p:transition spd="med" p14:dur="700">
+        <p:fade/>
+      </p:transition>
+    </mc:Choice>
+    <mc:Fallback xmlns="">
+      <p:transition spd="med">
+        <p:fade/>
+      </p:transition>
+    </mc:Fallback>
+  </mc:AlternateContent>
+</p:sld>
+</file>
+
+<file path=ppt/slides/slide20.xml><?xml version="1.0" encoding="utf-8"?>
+<p:sld xmlns:a="http://schemas.openxmlformats.org/drawingml/2006/main" xmlns:r="http://schemas.openxmlformats.org/officeDocument/2006/relationships" xmlns:p="http://schemas.openxmlformats.org/presentationml/2006/main">
+  <p:cSld>
+    <p:spTree>
+      <p:nvGrpSpPr>
+        <p:cNvPr id="1" name=""/>
+        <p:cNvGrpSpPr/>
+        <p:nvPr/>
+      </p:nvGrpSpPr>
+      <p:grpSpPr>
+        <a:xfrm>
+          <a:off x="0" y="0"/>
+          <a:ext cx="0" cy="0"/>
+          <a:chOff x="0" y="0"/>
+          <a:chExt cx="0" cy="0"/>
+        </a:xfrm>
+      </p:grpSpPr>
+      <p:sp>
+        <p:nvSpPr>
+          <p:cNvPr id="2" name="Title 1"/>
+          <p:cNvSpPr>
+            <a:spLocks noGrp="1"/>
+          </p:cNvSpPr>
+          <p:nvPr>
+            <p:ph type="ctrTitle"/>
+          </p:nvPr>
+        </p:nvSpPr>
+        <p:spPr>
+          <a:xfrm>
+            <a:off x="685800" y="2130425"/>
+            <a:ext cx="7772400" cy="3674839"/>
+          </a:xfrm>
+        </p:spPr>
+        <p:txBody>
+          <a:bodyPr anchor="t" anchorCtr="0">
+            <a:normAutofit/>
+          </a:bodyPr>
+          <a:lstStyle/>
+          <a:p>
+            <a:r>
+              <a:rPr lang="en-NZ" sz="4000" b="1" dirty="0"/>
+              <a:t>Intersection and union types</a:t>
+            </a:r>
+            <a:endParaRPr lang="en-NZ" sz="4000" dirty="0"/>
+          </a:p>
+        </p:txBody>
+      </p:sp>
+      <p:grpSp>
+        <p:nvGrpSpPr>
+          <p:cNvPr id="5" name="Group 4"/>
+          <p:cNvGrpSpPr/>
+          <p:nvPr/>
+        </p:nvGrpSpPr>
+        <p:grpSpPr>
+          <a:xfrm>
+            <a:off x="2660847" y="3470177"/>
+            <a:ext cx="3822305" cy="2335087"/>
+            <a:chOff x="2195736" y="3614193"/>
+            <a:chExt cx="3822305" cy="2335087"/>
+          </a:xfrm>
+        </p:grpSpPr>
+        <p:sp>
+          <p:nvSpPr>
+            <p:cNvPr id="3" name="Oval 2"/>
+            <p:cNvSpPr/>
+            <p:nvPr/>
+          </p:nvSpPr>
+          <p:spPr>
+            <a:xfrm>
+              <a:off x="2195736" y="3645024"/>
+              <a:ext cx="2304256" cy="2304256"/>
+            </a:xfrm>
+            <a:prstGeom prst="ellipse">
+              <a:avLst/>
+            </a:prstGeom>
+            <a:gradFill>
+              <a:gsLst>
+                <a:gs pos="0">
+                  <a:schemeClr val="accent1">
+                    <a:shade val="51000"/>
+                    <a:satMod val="130000"/>
+                    <a:alpha val="60000"/>
+                  </a:schemeClr>
+                </a:gs>
+                <a:gs pos="80000">
+                  <a:schemeClr val="accent1">
+                    <a:shade val="93000"/>
+                    <a:satMod val="130000"/>
+                  </a:schemeClr>
+                </a:gs>
+                <a:gs pos="100000">
+                  <a:schemeClr val="accent1">
+                    <a:shade val="94000"/>
+                    <a:satMod val="135000"/>
+                  </a:schemeClr>
+                </a:gs>
+              </a:gsLst>
+            </a:gradFill>
+            <a:ln>
+              <a:solidFill>
+                <a:schemeClr val="accent2">
+                  <a:shade val="95000"/>
+                  <a:satMod val="105000"/>
+                  <a:alpha val="60000"/>
+                </a:schemeClr>
+              </a:solidFill>
+            </a:ln>
+          </p:spPr>
+          <p:style>
+            <a:lnRef idx="1">
+              <a:schemeClr val="accent1"/>
+            </a:lnRef>
+            <a:fillRef idx="3">
+              <a:schemeClr val="accent1"/>
+            </a:fillRef>
+            <a:effectRef idx="2">
+              <a:schemeClr val="accent1"/>
+            </a:effectRef>
+            <a:fontRef idx="minor">
+              <a:schemeClr val="lt1"/>
+            </a:fontRef>
+          </p:style>
+          <p:txBody>
+            <a:bodyPr rtlCol="0" anchor="ctr"/>
+            <a:lstStyle/>
+            <a:p>
+              <a:pPr algn="ctr"/>
+              <a:endParaRPr lang="en-NZ" dirty="0"/>
+            </a:p>
+          </p:txBody>
+        </p:sp>
+        <p:sp>
+          <p:nvSpPr>
+            <p:cNvPr id="4" name="Oval 3"/>
+            <p:cNvSpPr/>
+            <p:nvPr/>
+          </p:nvSpPr>
+          <p:spPr>
+            <a:xfrm>
+              <a:off x="3713785" y="3614193"/>
+              <a:ext cx="2304256" cy="2304256"/>
+            </a:xfrm>
+            <a:prstGeom prst="ellipse">
+              <a:avLst/>
+            </a:prstGeom>
+            <a:gradFill>
+              <a:gsLst>
+                <a:gs pos="0">
+                  <a:schemeClr val="accent2">
+                    <a:shade val="51000"/>
+                    <a:satMod val="130000"/>
+                    <a:alpha val="40000"/>
+                  </a:schemeClr>
+                </a:gs>
+                <a:gs pos="80000">
+                  <a:schemeClr val="accent2">
+                    <a:shade val="93000"/>
+                    <a:satMod val="130000"/>
+                  </a:schemeClr>
+                </a:gs>
+                <a:gs pos="100000">
+                  <a:schemeClr val="accent2">
+                    <a:shade val="94000"/>
+                    <a:satMod val="135000"/>
+                  </a:schemeClr>
+                </a:gs>
+              </a:gsLst>
+            </a:gradFill>
+            <a:ln>
+              <a:solidFill>
+                <a:schemeClr val="accent2">
+                  <a:shade val="95000"/>
+                  <a:satMod val="105000"/>
+                </a:schemeClr>
+              </a:solidFill>
+            </a:ln>
+          </p:spPr>
+          <p:style>
+            <a:lnRef idx="1">
+              <a:schemeClr val="accent2"/>
+            </a:lnRef>
+            <a:fillRef idx="3">
+              <a:schemeClr val="accent2"/>
+            </a:fillRef>
+            <a:effectRef idx="2">
+              <a:schemeClr val="accent2"/>
+            </a:effectRef>
+            <a:fontRef idx="minor">
+              <a:schemeClr val="lt1"/>
+            </a:fontRef>
+          </p:style>
+          <p:txBody>
+            <a:bodyPr rtlCol="0" anchor="ctr"/>
+            <a:lstStyle/>
+            <a:p>
+              <a:pPr algn="ctr"/>
+              <a:endParaRPr lang="en-NZ"/>
+            </a:p>
+          </p:txBody>
+        </p:sp>
+      </p:grpSp>
+      <p:sp>
+        <p:nvSpPr>
+          <p:cNvPr id="6" name="TextBox 5"/>
+          <p:cNvSpPr txBox="1"/>
+          <p:nvPr/>
+        </p:nvSpPr>
+        <p:spPr>
+          <a:xfrm>
+            <a:off x="1181743" y="4391472"/>
+            <a:ext cx="1440160" cy="461665"/>
+          </a:xfrm>
+          <a:prstGeom prst="rect">
+            <a:avLst/>
+          </a:prstGeom>
+          <a:noFill/>
+        </p:spPr>
+        <p:txBody>
+          <a:bodyPr wrap="square" rtlCol="0">
+            <a:spAutoFit/>
+          </a:bodyPr>
+          <a:lstStyle/>
+          <a:p>
+            <a:r>
+              <a:rPr lang="en-NZ" sz="2400" b="1" dirty="0"/>
+              <a:t>Swimmer</a:t>
+            </a:r>
+          </a:p>
+        </p:txBody>
+      </p:sp>
+      <p:sp>
+        <p:nvSpPr>
+          <p:cNvPr id="7" name="TextBox 6"/>
+          <p:cNvSpPr txBox="1"/>
+          <p:nvPr/>
+        </p:nvSpPr>
+        <p:spPr>
+          <a:xfrm>
+            <a:off x="6660232" y="4391472"/>
+            <a:ext cx="1440160" cy="461665"/>
+          </a:xfrm>
+          <a:prstGeom prst="rect">
+            <a:avLst/>
+          </a:prstGeom>
+          <a:noFill/>
+        </p:spPr>
+        <p:txBody>
+          <a:bodyPr wrap="square" rtlCol="0">
+            <a:spAutoFit/>
+          </a:bodyPr>
+          <a:lstStyle/>
+          <a:p>
+            <a:r>
+              <a:rPr lang="en-NZ" sz="2400" b="1" dirty="0" err="1"/>
+              <a:t>Waddler</a:t>
+            </a:r>
+            <a:endParaRPr lang="en-NZ" sz="2400" b="1" dirty="0"/>
+          </a:p>
+        </p:txBody>
+      </p:sp>
+      <p:sp>
+        <p:nvSpPr>
+          <p:cNvPr id="8" name="TextBox 7"/>
+          <p:cNvSpPr txBox="1"/>
+          <p:nvPr/>
+        </p:nvSpPr>
+        <p:spPr>
+          <a:xfrm>
+            <a:off x="2660847" y="5949280"/>
+            <a:ext cx="3822305" cy="461665"/>
+          </a:xfrm>
+          <a:prstGeom prst="rect">
+            <a:avLst/>
+          </a:prstGeom>
+          <a:noFill/>
+        </p:spPr>
+        <p:txBody>
+          <a:bodyPr wrap="square" rtlCol="0">
+            <a:spAutoFit/>
+          </a:bodyPr>
+          <a:lstStyle/>
+          <a:p>
+            <a:pPr algn="ctr"/>
+            <a:r>
+              <a:rPr lang="en-NZ" sz="2400" b="1" dirty="0"/>
+              <a:t>Swimmer &amp; </a:t>
+            </a:r>
+            <a:r>
+              <a:rPr lang="en-NZ" sz="2400" b="1" dirty="0" err="1"/>
+              <a:t>Waddler</a:t>
+            </a:r>
+            <a:endParaRPr lang="en-NZ" sz="2400" b="1" dirty="0"/>
+          </a:p>
+        </p:txBody>
+      </p:sp>
+      <p:sp>
+        <p:nvSpPr>
+          <p:cNvPr id="9" name="TextBox 8"/>
+          <p:cNvSpPr txBox="1"/>
+          <p:nvPr/>
+        </p:nvSpPr>
+        <p:spPr>
+          <a:xfrm>
+            <a:off x="2660847" y="4468470"/>
+            <a:ext cx="1518048" cy="369332"/>
+          </a:xfrm>
+          <a:prstGeom prst="rect">
+            <a:avLst/>
+          </a:prstGeom>
+          <a:noFill/>
+        </p:spPr>
+        <p:txBody>
+          <a:bodyPr wrap="square" rtlCol="0">
+            <a:spAutoFit/>
+          </a:bodyPr>
+          <a:lstStyle/>
+          <a:p>
+            <a:pPr algn="ctr"/>
+            <a:r>
+              <a:rPr lang="en-NZ" dirty="0"/>
+              <a:t>swim()</a:t>
+            </a:r>
+          </a:p>
+        </p:txBody>
+      </p:sp>
+      <p:sp>
+        <p:nvSpPr>
+          <p:cNvPr id="10" name="TextBox 9"/>
+          <p:cNvSpPr txBox="1"/>
+          <p:nvPr/>
+        </p:nvSpPr>
+        <p:spPr>
+          <a:xfrm>
+            <a:off x="4965104" y="4436557"/>
+            <a:ext cx="1518048" cy="369332"/>
+          </a:xfrm>
+          <a:prstGeom prst="rect">
+            <a:avLst/>
+          </a:prstGeom>
+          <a:noFill/>
+        </p:spPr>
+        <p:txBody>
+          <a:bodyPr wrap="square" rtlCol="0">
+            <a:spAutoFit/>
+          </a:bodyPr>
+          <a:lstStyle/>
+          <a:p>
+            <a:pPr algn="ctr"/>
+            <a:r>
+              <a:rPr lang="en-NZ" dirty="0"/>
+              <a:t>waddle()</a:t>
+            </a:r>
+          </a:p>
+        </p:txBody>
+      </p:sp>
+      <p:sp>
+        <p:nvSpPr>
+          <p:cNvPr id="11" name="TextBox 10"/>
+          <p:cNvSpPr txBox="1"/>
+          <p:nvPr/>
+        </p:nvSpPr>
+        <p:spPr>
+          <a:xfrm>
+            <a:off x="3862902" y="4451973"/>
+            <a:ext cx="1518048" cy="369332"/>
+          </a:xfrm>
+          <a:prstGeom prst="rect">
+            <a:avLst/>
+          </a:prstGeom>
+          <a:noFill/>
+        </p:spPr>
+        <p:txBody>
+          <a:bodyPr wrap="square" rtlCol="0">
+            <a:spAutoFit/>
+          </a:bodyPr>
+          <a:lstStyle/>
+          <a:p>
+            <a:pPr algn="ctr"/>
+            <a:r>
+              <a:rPr lang="en-NZ" dirty="0"/>
+              <a:t>eat()</a:t>
+            </a:r>
+          </a:p>
+        </p:txBody>
+      </p:sp>
+      <p:sp>
+        <p:nvSpPr>
+          <p:cNvPr id="12" name="Arrow: Up 11"/>
+          <p:cNvSpPr/>
+          <p:nvPr/>
+        </p:nvSpPr>
+        <p:spPr>
+          <a:xfrm>
+            <a:off x="4463987" y="5702425"/>
+            <a:ext cx="216024" cy="288032"/>
+          </a:xfrm>
+          <a:prstGeom prst="upArrow">
+            <a:avLst/>
+          </a:prstGeom>
+        </p:spPr>
+        <p:style>
+          <a:lnRef idx="2">
+            <a:schemeClr val="accent1">
+              <a:shade val="50000"/>
+            </a:schemeClr>
+          </a:lnRef>
+          <a:fillRef idx="1">
+            <a:schemeClr val="accent1"/>
+          </a:fillRef>
+          <a:effectRef idx="0">
+            <a:schemeClr val="accent1"/>
+          </a:effectRef>
+          <a:fontRef idx="minor">
+            <a:schemeClr val="lt1"/>
+          </a:fontRef>
+        </p:style>
+        <p:txBody>
+          <a:bodyPr rtlCol="0" anchor="ctr"/>
+          <a:lstStyle/>
+          <a:p>
+            <a:pPr algn="ctr"/>
+            <a:endParaRPr lang="en-NZ"/>
+          </a:p>
+        </p:txBody>
+      </p:sp>
+    </p:spTree>
+    <p:extLst>
+      <p:ext uri="{BB962C8B-B14F-4D97-AF65-F5344CB8AC3E}">
+        <p14:creationId xmlns:p14="http://schemas.microsoft.com/office/powerpoint/2010/main" val="2194434247"/>
+      </p:ext>
+    </p:extLst>
+  </p:cSld>
+  <p:clrMapOvr>
+    <a:masterClrMapping/>
+  </p:clrMapOvr>
+  <mc:AlternateContent xmlns:mc="http://schemas.openxmlformats.org/markup-compatibility/2006" xmlns:p14="http://schemas.microsoft.com/office/powerpoint/2010/main">
+    <mc:Choice Requires="p14">
+      <p:transition spd="med" p14:dur="700">
+        <p:fade/>
+      </p:transition>
+    </mc:Choice>
+    <mc:Fallback xmlns="">
+      <p:transition spd="med">
+        <p:fade/>
+      </p:transition>
+    </mc:Fallback>
+  </mc:AlternateContent>
+</p:sld>
+</file>
+
+<file path=ppt/slides/slide21.xml><?xml version="1.0" encoding="utf-8"?>
+<p:sld xmlns:a="http://schemas.openxmlformats.org/drawingml/2006/main" xmlns:r="http://schemas.openxmlformats.org/officeDocument/2006/relationships" xmlns:p="http://schemas.openxmlformats.org/presentationml/2006/main">
+  <p:cSld>
+    <p:spTree>
+      <p:nvGrpSpPr>
+        <p:cNvPr id="1" name=""/>
+        <p:cNvGrpSpPr/>
+        <p:nvPr/>
+      </p:nvGrpSpPr>
+      <p:grpSpPr>
+        <a:xfrm>
+          <a:off x="0" y="0"/>
+          <a:ext cx="0" cy="0"/>
+          <a:chOff x="0" y="0"/>
+          <a:chExt cx="0" cy="0"/>
+        </a:xfrm>
+      </p:grpSpPr>
+      <p:sp>
+        <p:nvSpPr>
+          <p:cNvPr id="2" name="Title 1"/>
+          <p:cNvSpPr>
+            <a:spLocks noGrp="1"/>
+          </p:cNvSpPr>
+          <p:nvPr>
+            <p:ph type="ctrTitle"/>
+          </p:nvPr>
+        </p:nvSpPr>
+        <p:spPr>
+          <a:xfrm>
+            <a:off x="685800" y="2130425"/>
+            <a:ext cx="7772400" cy="3674839"/>
+          </a:xfrm>
+        </p:spPr>
+        <p:txBody>
+          <a:bodyPr anchor="t" anchorCtr="0">
+            <a:normAutofit/>
+          </a:bodyPr>
+          <a:lstStyle/>
+          <a:p>
+            <a:r>
+              <a:rPr lang="en-NZ" sz="4000" b="1" dirty="0"/>
+              <a:t>Intersection and union types</a:t>
+            </a:r>
+            <a:endParaRPr lang="en-NZ" sz="4000" dirty="0"/>
+          </a:p>
+        </p:txBody>
+      </p:sp>
+      <p:grpSp>
+        <p:nvGrpSpPr>
+          <p:cNvPr id="5" name="Group 4"/>
+          <p:cNvGrpSpPr/>
+          <p:nvPr/>
+        </p:nvGrpSpPr>
+        <p:grpSpPr>
+          <a:xfrm>
+            <a:off x="2660847" y="3470177"/>
+            <a:ext cx="3822305" cy="2335087"/>
+            <a:chOff x="2195736" y="3614193"/>
+            <a:chExt cx="3822305" cy="2335087"/>
+          </a:xfrm>
+        </p:grpSpPr>
+        <p:sp>
+          <p:nvSpPr>
+            <p:cNvPr id="3" name="Oval 2"/>
+            <p:cNvSpPr/>
+            <p:nvPr/>
+          </p:nvSpPr>
+          <p:spPr>
+            <a:xfrm>
+              <a:off x="2195736" y="3645024"/>
+              <a:ext cx="2304256" cy="2304256"/>
+            </a:xfrm>
+            <a:prstGeom prst="ellipse">
+              <a:avLst/>
+            </a:prstGeom>
+            <a:gradFill>
+              <a:gsLst>
+                <a:gs pos="0">
+                  <a:schemeClr val="accent1">
+                    <a:shade val="51000"/>
+                    <a:satMod val="130000"/>
+                    <a:alpha val="60000"/>
+                  </a:schemeClr>
+                </a:gs>
+                <a:gs pos="80000">
+                  <a:schemeClr val="accent1">
+                    <a:shade val="93000"/>
+                    <a:satMod val="130000"/>
+                  </a:schemeClr>
+                </a:gs>
+                <a:gs pos="100000">
+                  <a:schemeClr val="accent1">
+                    <a:shade val="94000"/>
+                    <a:satMod val="135000"/>
+                  </a:schemeClr>
+                </a:gs>
+              </a:gsLst>
+            </a:gradFill>
+            <a:ln>
+              <a:solidFill>
+                <a:schemeClr val="accent2">
+                  <a:shade val="95000"/>
+                  <a:satMod val="105000"/>
+                  <a:alpha val="60000"/>
+                </a:schemeClr>
+              </a:solidFill>
+            </a:ln>
+          </p:spPr>
+          <p:style>
+            <a:lnRef idx="1">
+              <a:schemeClr val="accent1"/>
+            </a:lnRef>
+            <a:fillRef idx="3">
+              <a:schemeClr val="accent1"/>
+            </a:fillRef>
+            <a:effectRef idx="2">
+              <a:schemeClr val="accent1"/>
+            </a:effectRef>
+            <a:fontRef idx="minor">
+              <a:schemeClr val="lt1"/>
+            </a:fontRef>
+          </p:style>
+          <p:txBody>
+            <a:bodyPr rtlCol="0" anchor="ctr"/>
+            <a:lstStyle/>
+            <a:p>
+              <a:pPr algn="ctr"/>
+              <a:endParaRPr lang="en-NZ" dirty="0"/>
+            </a:p>
+          </p:txBody>
+        </p:sp>
+        <p:sp>
+          <p:nvSpPr>
+            <p:cNvPr id="4" name="Oval 3"/>
+            <p:cNvSpPr/>
+            <p:nvPr/>
+          </p:nvSpPr>
+          <p:spPr>
+            <a:xfrm>
+              <a:off x="3713785" y="3614193"/>
+              <a:ext cx="2304256" cy="2304256"/>
+            </a:xfrm>
+            <a:prstGeom prst="ellipse">
+              <a:avLst/>
+            </a:prstGeom>
+            <a:gradFill>
+              <a:gsLst>
+                <a:gs pos="0">
+                  <a:schemeClr val="accent2">
+                    <a:shade val="51000"/>
+                    <a:satMod val="130000"/>
+                    <a:alpha val="40000"/>
+                  </a:schemeClr>
+                </a:gs>
+                <a:gs pos="80000">
+                  <a:schemeClr val="accent2">
+                    <a:shade val="93000"/>
+                    <a:satMod val="130000"/>
+                  </a:schemeClr>
+                </a:gs>
+                <a:gs pos="100000">
+                  <a:schemeClr val="accent2">
+                    <a:shade val="94000"/>
+                    <a:satMod val="135000"/>
+                  </a:schemeClr>
+                </a:gs>
+              </a:gsLst>
+            </a:gradFill>
+            <a:ln>
+              <a:solidFill>
+                <a:schemeClr val="accent2">
+                  <a:shade val="95000"/>
+                  <a:satMod val="105000"/>
+                </a:schemeClr>
+              </a:solidFill>
+            </a:ln>
+          </p:spPr>
+          <p:style>
+            <a:lnRef idx="1">
+              <a:schemeClr val="accent2"/>
+            </a:lnRef>
+            <a:fillRef idx="3">
+              <a:schemeClr val="accent2"/>
+            </a:fillRef>
+            <a:effectRef idx="2">
+              <a:schemeClr val="accent2"/>
+            </a:effectRef>
+            <a:fontRef idx="minor">
+              <a:schemeClr val="lt1"/>
+            </a:fontRef>
+          </p:style>
+          <p:txBody>
+            <a:bodyPr rtlCol="0" anchor="ctr"/>
+            <a:lstStyle/>
+            <a:p>
+              <a:pPr algn="ctr"/>
+              <a:endParaRPr lang="en-NZ"/>
+            </a:p>
+          </p:txBody>
+        </p:sp>
+      </p:grpSp>
+      <p:sp>
+        <p:nvSpPr>
+          <p:cNvPr id="6" name="TextBox 5"/>
+          <p:cNvSpPr txBox="1"/>
+          <p:nvPr/>
+        </p:nvSpPr>
+        <p:spPr>
+          <a:xfrm>
+            <a:off x="1181743" y="4391472"/>
+            <a:ext cx="1440160" cy="461665"/>
+          </a:xfrm>
+          <a:prstGeom prst="rect">
+            <a:avLst/>
+          </a:prstGeom>
+          <a:noFill/>
+        </p:spPr>
+        <p:txBody>
+          <a:bodyPr wrap="square" rtlCol="0">
+            <a:spAutoFit/>
+          </a:bodyPr>
+          <a:lstStyle/>
+          <a:p>
+            <a:r>
+              <a:rPr lang="en-NZ" sz="2400" b="1" dirty="0"/>
+              <a:t>Swimmer</a:t>
+            </a:r>
+          </a:p>
+        </p:txBody>
+      </p:sp>
+      <p:sp>
+        <p:nvSpPr>
+          <p:cNvPr id="7" name="TextBox 6"/>
+          <p:cNvSpPr txBox="1"/>
+          <p:nvPr/>
+        </p:nvSpPr>
+        <p:spPr>
+          <a:xfrm>
+            <a:off x="6660232" y="4391472"/>
+            <a:ext cx="1440160" cy="461665"/>
+          </a:xfrm>
+          <a:prstGeom prst="rect">
+            <a:avLst/>
+          </a:prstGeom>
+          <a:noFill/>
+        </p:spPr>
+        <p:txBody>
+          <a:bodyPr wrap="square" rtlCol="0">
+            <a:spAutoFit/>
+          </a:bodyPr>
+          <a:lstStyle/>
+          <a:p>
+            <a:r>
+              <a:rPr lang="en-NZ" sz="2400" b="1" dirty="0" err="1"/>
+              <a:t>Waddler</a:t>
+            </a:r>
+            <a:endParaRPr lang="en-NZ" sz="2400" b="1" dirty="0"/>
+          </a:p>
+        </p:txBody>
+      </p:sp>
+      <p:sp>
+        <p:nvSpPr>
+          <p:cNvPr id="8" name="TextBox 7"/>
+          <p:cNvSpPr txBox="1"/>
+          <p:nvPr/>
+        </p:nvSpPr>
+        <p:spPr>
+          <a:xfrm>
+            <a:off x="2660847" y="5949280"/>
+            <a:ext cx="3822305" cy="461665"/>
+          </a:xfrm>
+          <a:prstGeom prst="rect">
+            <a:avLst/>
+          </a:prstGeom>
+          <a:noFill/>
+        </p:spPr>
+        <p:txBody>
+          <a:bodyPr wrap="square" rtlCol="0">
+            <a:spAutoFit/>
+          </a:bodyPr>
+          <a:lstStyle/>
+          <a:p>
+            <a:pPr algn="ctr"/>
+            <a:r>
+              <a:rPr lang="en-NZ" sz="2400" b="1" dirty="0"/>
+              <a:t>Swimmer | </a:t>
+            </a:r>
+            <a:r>
+              <a:rPr lang="en-NZ" sz="2400" b="1" dirty="0" err="1"/>
+              <a:t>Waddler</a:t>
+            </a:r>
+            <a:endParaRPr lang="en-NZ" sz="2400" b="1" dirty="0"/>
+          </a:p>
+        </p:txBody>
+      </p:sp>
+      <p:sp>
+        <p:nvSpPr>
+          <p:cNvPr id="9" name="TextBox 8"/>
+          <p:cNvSpPr txBox="1"/>
+          <p:nvPr/>
+        </p:nvSpPr>
+        <p:spPr>
+          <a:xfrm>
+            <a:off x="2660847" y="4468470"/>
+            <a:ext cx="1518048" cy="369332"/>
+          </a:xfrm>
+          <a:prstGeom prst="rect">
+            <a:avLst/>
+          </a:prstGeom>
+          <a:noFill/>
+        </p:spPr>
+        <p:txBody>
+          <a:bodyPr wrap="square" rtlCol="0">
+            <a:spAutoFit/>
+          </a:bodyPr>
+          <a:lstStyle/>
+          <a:p>
+            <a:pPr algn="ctr"/>
+            <a:r>
+              <a:rPr lang="en-NZ" dirty="0"/>
+              <a:t>swim()</a:t>
+            </a:r>
+          </a:p>
+        </p:txBody>
+      </p:sp>
+      <p:sp>
+        <p:nvSpPr>
+          <p:cNvPr id="10" name="TextBox 9"/>
+          <p:cNvSpPr txBox="1"/>
+          <p:nvPr/>
+        </p:nvSpPr>
+        <p:spPr>
+          <a:xfrm>
+            <a:off x="4965104" y="4436557"/>
+            <a:ext cx="1518048" cy="369332"/>
+          </a:xfrm>
+          <a:prstGeom prst="rect">
+            <a:avLst/>
+          </a:prstGeom>
+          <a:noFill/>
+        </p:spPr>
+        <p:txBody>
+          <a:bodyPr wrap="square" rtlCol="0">
+            <a:spAutoFit/>
+          </a:bodyPr>
+          <a:lstStyle/>
+          <a:p>
+            <a:pPr algn="ctr"/>
+            <a:r>
+              <a:rPr lang="en-NZ" dirty="0"/>
+              <a:t>waddle()</a:t>
+            </a:r>
+          </a:p>
+        </p:txBody>
+      </p:sp>
+      <p:sp>
+        <p:nvSpPr>
+          <p:cNvPr id="11" name="TextBox 10"/>
+          <p:cNvSpPr txBox="1"/>
+          <p:nvPr/>
+        </p:nvSpPr>
+        <p:spPr>
+          <a:xfrm>
+            <a:off x="3862902" y="4451973"/>
+            <a:ext cx="1518048" cy="369332"/>
+          </a:xfrm>
+          <a:prstGeom prst="rect">
+            <a:avLst/>
+          </a:prstGeom>
+          <a:noFill/>
+        </p:spPr>
+        <p:txBody>
+          <a:bodyPr wrap="square" rtlCol="0">
+            <a:spAutoFit/>
+          </a:bodyPr>
+          <a:lstStyle/>
+          <a:p>
+            <a:pPr algn="ctr"/>
+            <a:r>
+              <a:rPr lang="en-NZ" dirty="0"/>
+              <a:t>eat()</a:t>
+            </a:r>
+          </a:p>
+        </p:txBody>
+      </p:sp>
+      <p:sp>
+        <p:nvSpPr>
+          <p:cNvPr id="12" name="Arrow: Up 11"/>
+          <p:cNvSpPr/>
+          <p:nvPr/>
+        </p:nvSpPr>
+        <p:spPr>
+          <a:xfrm>
+            <a:off x="4463987" y="5702425"/>
+            <a:ext cx="216024" cy="288032"/>
+          </a:xfrm>
+          <a:prstGeom prst="upArrow">
+            <a:avLst/>
+          </a:prstGeom>
+        </p:spPr>
+        <p:style>
+          <a:lnRef idx="2">
+            <a:schemeClr val="accent1">
+              <a:shade val="50000"/>
+            </a:schemeClr>
+          </a:lnRef>
+          <a:fillRef idx="1">
+            <a:schemeClr val="accent1"/>
+          </a:fillRef>
+          <a:effectRef idx="0">
+            <a:schemeClr val="accent1"/>
+          </a:effectRef>
+          <a:fontRef idx="minor">
+            <a:schemeClr val="lt1"/>
+          </a:fontRef>
+        </p:style>
+        <p:txBody>
+          <a:bodyPr rtlCol="0" anchor="ctr"/>
+          <a:lstStyle/>
+          <a:p>
+            <a:pPr algn="ctr"/>
+            <a:endParaRPr lang="en-NZ"/>
+          </a:p>
+        </p:txBody>
+      </p:sp>
+      <p:sp>
+        <p:nvSpPr>
+          <p:cNvPr id="13" name="Arrow: Up 12"/>
+          <p:cNvSpPr/>
+          <p:nvPr/>
+        </p:nvSpPr>
+        <p:spPr>
+          <a:xfrm>
+            <a:off x="5223012" y="5702425"/>
+            <a:ext cx="216024" cy="288032"/>
+          </a:xfrm>
+          <a:prstGeom prst="upArrow">
+            <a:avLst/>
+          </a:prstGeom>
+        </p:spPr>
+        <p:style>
+          <a:lnRef idx="2">
+            <a:schemeClr val="accent1">
+              <a:shade val="50000"/>
+            </a:schemeClr>
+          </a:lnRef>
+          <a:fillRef idx="1">
+            <a:schemeClr val="accent1"/>
+          </a:fillRef>
+          <a:effectRef idx="0">
+            <a:schemeClr val="accent1"/>
+          </a:effectRef>
+          <a:fontRef idx="minor">
+            <a:schemeClr val="lt1"/>
+          </a:fontRef>
+        </p:style>
+        <p:txBody>
+          <a:bodyPr rtlCol="0" anchor="ctr"/>
+          <a:lstStyle/>
+          <a:p>
+            <a:pPr algn="ctr"/>
+            <a:endParaRPr lang="en-NZ"/>
+          </a:p>
+        </p:txBody>
+      </p:sp>
+      <p:sp>
+        <p:nvSpPr>
+          <p:cNvPr id="14" name="Arrow: Up 13"/>
+          <p:cNvSpPr/>
+          <p:nvPr/>
+        </p:nvSpPr>
+        <p:spPr>
+          <a:xfrm>
+            <a:off x="3748630" y="5702425"/>
+            <a:ext cx="216024" cy="288032"/>
+          </a:xfrm>
+          <a:prstGeom prst="upArrow">
+            <a:avLst/>
+          </a:prstGeom>
+        </p:spPr>
+        <p:style>
+          <a:lnRef idx="2">
+            <a:schemeClr val="accent1">
+              <a:shade val="50000"/>
+            </a:schemeClr>
+          </a:lnRef>
+          <a:fillRef idx="1">
+            <a:schemeClr val="accent1"/>
+          </a:fillRef>
+          <a:effectRef idx="0">
+            <a:schemeClr val="accent1"/>
+          </a:effectRef>
+          <a:fontRef idx="minor">
+            <a:schemeClr val="lt1"/>
+          </a:fontRef>
+        </p:style>
+        <p:txBody>
+          <a:bodyPr rtlCol="0" anchor="ctr"/>
+          <a:lstStyle/>
+          <a:p>
+            <a:pPr algn="ctr"/>
+            <a:endParaRPr lang="en-NZ"/>
+          </a:p>
+        </p:txBody>
+      </p:sp>
+    </p:spTree>
+    <p:extLst>
+      <p:ext uri="{BB962C8B-B14F-4D97-AF65-F5344CB8AC3E}">
+        <p14:creationId xmlns:p14="http://schemas.microsoft.com/office/powerpoint/2010/main" val="426347176"/>
+      </p:ext>
+    </p:extLst>
+  </p:cSld>
+  <p:clrMapOvr>
+    <a:masterClrMapping/>
+  </p:clrMapOvr>
+  <mc:AlternateContent xmlns:mc="http://schemas.openxmlformats.org/markup-compatibility/2006" xmlns:p14="http://schemas.microsoft.com/office/powerpoint/2010/main">
+    <mc:Choice Requires="p14">
+      <p:transition spd="med" p14:dur="700">
+        <p:fade/>
+      </p:transition>
+    </mc:Choice>
+    <mc:Fallback xmlns="">
+      <p:transition spd="med">
+        <p:fade/>
+      </p:transition>
+    </mc:Fallback>
+  </mc:AlternateContent>
+</p:sld>
+</file>
+
+<file path=ppt/slides/slide22.xml><?xml version="1.0" encoding="utf-8"?>
+<p:sld xmlns:a="http://schemas.openxmlformats.org/drawingml/2006/main" xmlns:r="http://schemas.openxmlformats.org/officeDocument/2006/relationships" xmlns:p="http://schemas.openxmlformats.org/presentationml/2006/main">
+  <p:cSld>
+    <p:spTree>
+      <p:nvGrpSpPr>
+        <p:cNvPr id="1" name=""/>
+        <p:cNvGrpSpPr/>
+        <p:nvPr/>
+      </p:nvGrpSpPr>
+      <p:grpSpPr>
+        <a:xfrm>
+          <a:off x="0" y="0"/>
+          <a:ext cx="0" cy="0"/>
+          <a:chOff x="0" y="0"/>
+          <a:chExt cx="0" cy="0"/>
+        </a:xfrm>
+      </p:grpSpPr>
+      <p:sp>
+        <p:nvSpPr>
+          <p:cNvPr id="2" name="Title 1"/>
+          <p:cNvSpPr>
+            <a:spLocks noGrp="1"/>
+          </p:cNvSpPr>
+          <p:nvPr>
+            <p:ph type="ctrTitle"/>
+          </p:nvPr>
+        </p:nvSpPr>
+        <p:spPr>
+          <a:xfrm>
+            <a:off x="685800" y="2130425"/>
+            <a:ext cx="7772400" cy="3674839"/>
+          </a:xfrm>
+        </p:spPr>
+        <p:txBody>
+          <a:bodyPr anchor="t" anchorCtr="0">
+            <a:normAutofit/>
+          </a:bodyPr>
+          <a:lstStyle/>
+          <a:p>
+            <a:r>
+              <a:rPr lang="en-NZ" sz="4000" b="1" dirty="0"/>
+              <a:t>Index types and type mapping</a:t>
+            </a:r>
+            <a:br>
+              <a:rPr lang="en-NZ" sz="4000" b="1" dirty="0"/>
+            </a:br>
+            <a:r>
+              <a:rPr lang="en-NZ" sz="4000" dirty="0"/>
+              <a:t>Reflection made </a:t>
+            </a:r>
+            <a:r>
+              <a:rPr lang="en-NZ" sz="4000" dirty="0" err="1"/>
+              <a:t>safeish</a:t>
+            </a:r>
+            <a:endParaRPr lang="en-NZ" sz="4000" dirty="0"/>
+          </a:p>
+        </p:txBody>
+      </p:sp>
+    </p:spTree>
+    <p:extLst>
+      <p:ext uri="{BB962C8B-B14F-4D97-AF65-F5344CB8AC3E}">
+        <p14:creationId xmlns:p14="http://schemas.microsoft.com/office/powerpoint/2010/main" val="1047641563"/>
+      </p:ext>
+    </p:extLst>
+  </p:cSld>
+  <p:clrMapOvr>
+    <a:masterClrMapping/>
+  </p:clrMapOvr>
+  <mc:AlternateContent xmlns:mc="http://schemas.openxmlformats.org/markup-compatibility/2006" xmlns:p14="http://schemas.microsoft.com/office/powerpoint/2010/main">
+    <mc:Choice Requires="p14">
+      <p:transition spd="med" p14:dur="700">
+        <p:fade/>
+      </p:transition>
+    </mc:Choice>
+    <mc:Fallback xmlns="">
+      <p:transition spd="med">
+        <p:fade/>
+      </p:transition>
+    </mc:Fallback>
+  </mc:AlternateContent>
+</p:sld>
+</file>
+
+<file path=ppt/slides/slide23.xml><?xml version="1.0" encoding="utf-8"?>
+<p:sld xmlns:a="http://schemas.openxmlformats.org/drawingml/2006/main" xmlns:r="http://schemas.openxmlformats.org/officeDocument/2006/relationships" xmlns:p="http://schemas.openxmlformats.org/presentationml/2006/main">
+  <p:cSld>
+    <p:spTree>
+      <p:nvGrpSpPr>
+        <p:cNvPr id="1" name=""/>
+        <p:cNvGrpSpPr/>
+        <p:nvPr/>
+      </p:nvGrpSpPr>
+      <p:grpSpPr>
+        <a:xfrm>
+          <a:off x="0" y="0"/>
+          <a:ext cx="0" cy="0"/>
+          <a:chOff x="0" y="0"/>
+          <a:chExt cx="0" cy="0"/>
+        </a:xfrm>
+      </p:grpSpPr>
+      <p:sp>
+        <p:nvSpPr>
+          <p:cNvPr id="2" name="Title 1"/>
+          <p:cNvSpPr>
+            <a:spLocks noGrp="1"/>
+          </p:cNvSpPr>
+          <p:nvPr>
+            <p:ph type="ctrTitle"/>
+          </p:nvPr>
+        </p:nvSpPr>
+        <p:spPr>
+          <a:xfrm>
+            <a:off x="685800" y="2130425"/>
+            <a:ext cx="7772400" cy="3674839"/>
+          </a:xfrm>
+        </p:spPr>
+        <p:txBody>
+          <a:bodyPr anchor="t" anchorCtr="0">
+            <a:normAutofit/>
+          </a:bodyPr>
+          <a:lstStyle/>
+          <a:p>
+            <a:r>
+              <a:rPr lang="en-NZ" sz="4000" b="1" dirty="0"/>
+              <a:t>Types as shapes</a:t>
+            </a:r>
+            <a:br>
+              <a:rPr lang="en-NZ" sz="4000" b="1" dirty="0"/>
+            </a:br>
+            <a:r>
+              <a:rPr lang="en-NZ" sz="4000" dirty="0"/>
+              <a:t>Structural subtyping</a:t>
+            </a:r>
+          </a:p>
+        </p:txBody>
+      </p:sp>
+    </p:spTree>
+    <p:extLst>
+      <p:ext uri="{BB962C8B-B14F-4D97-AF65-F5344CB8AC3E}">
+        <p14:creationId xmlns:p14="http://schemas.microsoft.com/office/powerpoint/2010/main" val="990401429"/>
+      </p:ext>
+    </p:extLst>
+  </p:cSld>
+  <p:clrMapOvr>
+    <a:masterClrMapping/>
+  </p:clrMapOvr>
+  <mc:AlternateContent xmlns:mc="http://schemas.openxmlformats.org/markup-compatibility/2006" xmlns:p14="http://schemas.microsoft.com/office/powerpoint/2010/main">
+    <mc:Choice Requires="p14">
+      <p:transition spd="med" p14:dur="700">
+        <p:fade/>
+      </p:transition>
+    </mc:Choice>
+    <mc:Fallback xmlns="">
+      <p:transition spd="med">
+        <p:fade/>
+      </p:transition>
+    </mc:Fallback>
+  </mc:AlternateContent>
+</p:sld>
+</file>
+
+<file path=ppt/slides/slide24.xml><?xml version="1.0" encoding="utf-8"?>
+<p:sld xmlns:a="http://schemas.openxmlformats.org/drawingml/2006/main" xmlns:r="http://schemas.openxmlformats.org/officeDocument/2006/relationships" xmlns:p="http://schemas.openxmlformats.org/presentationml/2006/main">
+  <p:cSld>
+    <p:spTree>
+      <p:nvGrpSpPr>
+        <p:cNvPr id="1" name=""/>
+        <p:cNvGrpSpPr/>
+        <p:nvPr/>
+      </p:nvGrpSpPr>
+      <p:grpSpPr>
+        <a:xfrm>
+          <a:off x="0" y="0"/>
+          <a:ext cx="0" cy="0"/>
+          <a:chOff x="0" y="0"/>
+          <a:chExt cx="0" cy="0"/>
+        </a:xfrm>
+      </p:grpSpPr>
+      <p:sp>
+        <p:nvSpPr>
+          <p:cNvPr id="2" name="Title 1"/>
+          <p:cNvSpPr>
+            <a:spLocks noGrp="1"/>
+          </p:cNvSpPr>
+          <p:nvPr>
+            <p:ph type="ctrTitle"/>
+          </p:nvPr>
+        </p:nvSpPr>
+        <p:spPr/>
+        <p:txBody>
+          <a:bodyPr>
+            <a:normAutofit/>
+          </a:bodyPr>
+          <a:lstStyle/>
+          <a:p>
+            <a:r>
+              <a:rPr lang="en-NZ" sz="4000" b="1" dirty="0"/>
+              <a:t>Thanks!</a:t>
+            </a:r>
+          </a:p>
+        </p:txBody>
+      </p:sp>
+      <p:sp>
+        <p:nvSpPr>
+          <p:cNvPr id="3" name="Subtitle 2"/>
+          <p:cNvSpPr>
+            <a:spLocks noGrp="1"/>
+          </p:cNvSpPr>
+          <p:nvPr>
+            <p:ph type="subTitle" idx="1"/>
+          </p:nvPr>
+        </p:nvSpPr>
+        <p:spPr/>
+        <p:txBody>
+          <a:bodyPr>
+            <a:normAutofit/>
+          </a:bodyPr>
+          <a:lstStyle/>
+          <a:p>
+            <a:r>
+              <a:rPr lang="en-NZ" sz="2800" b="1" dirty="0"/>
+              <a:t>Ivan </a:t>
+            </a:r>
+            <a:r>
+              <a:rPr lang="en-NZ" sz="2800" b="1" dirty="0" err="1"/>
+              <a:t>Towlson</a:t>
+            </a:r>
+            <a:endParaRPr lang="en-NZ" sz="2800" b="1" dirty="0"/>
+          </a:p>
+          <a:p>
+            <a:r>
+              <a:rPr lang="en-NZ" sz="2800" b="1" dirty="0"/>
+              <a:t>Microsoft</a:t>
+            </a:r>
+          </a:p>
+        </p:txBody>
+      </p:sp>
+      <p:sp>
+        <p:nvSpPr>
+          <p:cNvPr id="4" name="TextBox 3"/>
+          <p:cNvSpPr txBox="1"/>
+          <p:nvPr/>
+        </p:nvSpPr>
+        <p:spPr>
+          <a:xfrm>
+            <a:off x="4067944" y="5746030"/>
+            <a:ext cx="4896544" cy="923330"/>
+          </a:xfrm>
+          <a:prstGeom prst="rect">
+            <a:avLst/>
+          </a:prstGeom>
+          <a:noFill/>
+        </p:spPr>
+        <p:txBody>
+          <a:bodyPr wrap="square" rtlCol="0">
+            <a:spAutoFit/>
+          </a:bodyPr>
+          <a:lstStyle/>
+          <a:p>
+            <a:pPr algn="r"/>
+            <a:r>
+              <a:rPr lang="en-NZ" dirty="0">
+                <a:hlinkClick r:id="rId2"/>
+              </a:rPr>
+              <a:t>https://github.com/itowlson/typed-darkness</a:t>
+            </a:r>
+            <a:endParaRPr lang="en-NZ" dirty="0"/>
+          </a:p>
+          <a:p>
+            <a:pPr algn="r"/>
+            <a:r>
+              <a:rPr lang="en-NZ" dirty="0">
+                <a:hlinkClick r:id="rId3"/>
+              </a:rPr>
+              <a:t>http://twitter.com/ppog_penguin</a:t>
+            </a:r>
+            <a:endParaRPr lang="en-NZ" dirty="0"/>
+          </a:p>
+          <a:p>
+            <a:pPr algn="r"/>
+            <a:r>
+              <a:rPr lang="en-NZ" dirty="0">
+                <a:hlinkClick r:id="rId4"/>
+              </a:rPr>
+              <a:t>http://hestia.typepad.com/flatlander</a:t>
+            </a:r>
+            <a:endParaRPr lang="en-NZ" dirty="0"/>
+          </a:p>
+        </p:txBody>
+      </p:sp>
+      <p:sp>
+        <p:nvSpPr>
+          <p:cNvPr id="5" name="TextBox 4"/>
+          <p:cNvSpPr txBox="1"/>
+          <p:nvPr/>
+        </p:nvSpPr>
+        <p:spPr>
+          <a:xfrm>
+            <a:off x="251520" y="6021288"/>
+            <a:ext cx="4032448" cy="646331"/>
+          </a:xfrm>
+          <a:prstGeom prst="rect">
+            <a:avLst/>
+          </a:prstGeom>
+          <a:noFill/>
+        </p:spPr>
+        <p:txBody>
+          <a:bodyPr wrap="square" rtlCol="0">
+            <a:spAutoFit/>
+          </a:bodyPr>
+          <a:lstStyle/>
+          <a:p>
+            <a:r>
+              <a:rPr lang="en-NZ" dirty="0">
+                <a:hlinkClick r:id="rId5"/>
+              </a:rPr>
+              <a:t>itowlson@microsoft.com</a:t>
+            </a:r>
+            <a:endParaRPr lang="en-NZ" dirty="0"/>
+          </a:p>
+          <a:p>
+            <a:r>
+              <a:rPr lang="en-NZ" dirty="0">
+                <a:hlinkClick r:id="rId6"/>
+              </a:rPr>
+              <a:t>ivan@hestia.cc</a:t>
+            </a:r>
+            <a:endParaRPr lang="en-NZ" dirty="0"/>
+          </a:p>
+        </p:txBody>
+      </p:sp>
+    </p:spTree>
+    <p:extLst>
+      <p:ext uri="{BB962C8B-B14F-4D97-AF65-F5344CB8AC3E}">
+        <p14:creationId xmlns:p14="http://schemas.microsoft.com/office/powerpoint/2010/main" val="2147454668"/>
       </p:ext>
     </p:extLst>
   </p:cSld>
